--- a/data/template/format_report-analysis_yeomine.pptx
+++ b/data/template/format_report-analysis_yeomine.pptx
@@ -3,27 +3,33 @@
 <p:presentation xmlns:a="http://schemas.openxmlformats.org/drawingml/2006/main" xmlns:r="http://schemas.openxmlformats.org/officeDocument/2006/relationships" xmlns:p="http://schemas.openxmlformats.org/presentationml/2006/main" embedTrueTypeFonts="1" saveSubsetFonts="1">
   <p:sldMasterIdLst>
     <p:sldMasterId id="2147483648" r:id="rId1"/>
+    <p:sldMasterId id="2147483660" r:id="rId2"/>
   </p:sldMasterIdLst>
   <p:sldIdLst>
-    <p:sldId id="260" r:id="rId2"/>
-    <p:sldId id="257" r:id="rId3"/>
-    <p:sldId id="261" r:id="rId4"/>
-    <p:sldId id="262" r:id="rId5"/>
-    <p:sldId id="263" r:id="rId6"/>
+    <p:sldId id="256" r:id="rId3"/>
+    <p:sldId id="257" r:id="rId4"/>
+    <p:sldId id="261" r:id="rId5"/>
+    <p:sldId id="262" r:id="rId6"/>
+    <p:sldId id="263" r:id="rId7"/>
   </p:sldIdLst>
   <p:sldSz cx="18288000" cy="10287000"/>
   <p:notesSz cx="6858000" cy="9144000"/>
   <p:embeddedFontLst>
     <p:embeddedFont>
       <p:font typeface="Archivo Black" panose="020B0604020202020204" charset="0"/>
-      <p:regular r:id="rId7"/>
+      <p:regular r:id="rId8"/>
     </p:embeddedFont>
     <p:embeddedFont>
       <p:font typeface="Calibri" panose="020F0502020204030204" pitchFamily="34" charset="0"/>
-      <p:regular r:id="rId8"/>
-      <p:bold r:id="rId9"/>
-      <p:italic r:id="rId10"/>
-      <p:boldItalic r:id="rId11"/>
+      <p:regular r:id="rId9"/>
+      <p:bold r:id="rId10"/>
+      <p:italic r:id="rId11"/>
+      <p:boldItalic r:id="rId12"/>
+    </p:embeddedFont>
+    <p:embeddedFont>
+      <p:font typeface="Calibri Light" panose="020F0302020204030204" pitchFamily="34" charset="0"/>
+      <p:regular r:id="rId13"/>
+      <p:italic r:id="rId14"/>
     </p:embeddedFont>
   </p:embeddedFontLst>
   <p:defaultTextStyle>
@@ -320,7 +326,7 @@
             <a:fld id="{1D8BD707-D9CF-40AE-B4C6-C98DA3205C09}" type="datetimeFigureOut">
               <a:rPr lang="en-US" smtClean="0"/>
               <a:pPr/>
-              <a:t>8/24/2023</a:t>
+              <a:t>10/24/2023</a:t>
             </a:fld>
             <a:endParaRPr lang="en-US"/>
           </a:p>
@@ -485,7 +491,7 @@
             <a:fld id="{1D8BD707-D9CF-40AE-B4C6-C98DA3205C09}" type="datetimeFigureOut">
               <a:rPr lang="en-US" smtClean="0"/>
               <a:pPr/>
-              <a:t>8/24/2023</a:t>
+              <a:t>10/24/2023</a:t>
             </a:fld>
             <a:endParaRPr lang="en-US"/>
           </a:p>
@@ -660,7 +666,7 @@
             <a:fld id="{1D8BD707-D9CF-40AE-B4C6-C98DA3205C09}" type="datetimeFigureOut">
               <a:rPr lang="en-US" smtClean="0"/>
               <a:pPr/>
-              <a:t>8/24/2023</a:t>
+              <a:t>10/24/2023</a:t>
             </a:fld>
             <a:endParaRPr lang="en-US"/>
           </a:p>
@@ -710,6 +716,1754 @@
         </p:txBody>
       </p:sp>
     </p:spTree>
+  </p:cSld>
+  <p:clrMapOvr>
+    <a:masterClrMapping/>
+  </p:clrMapOvr>
+</p:sldLayout>
+</file>
+
+<file path=ppt/slideLayouts/slideLayout12.xml><?xml version="1.0" encoding="utf-8"?>
+<p:sldLayout xmlns:a="http://schemas.openxmlformats.org/drawingml/2006/main" xmlns:r="http://schemas.openxmlformats.org/officeDocument/2006/relationships" xmlns:p="http://schemas.openxmlformats.org/presentationml/2006/main" type="title" preserve="1">
+  <p:cSld name="Title Slide">
+    <p:spTree>
+      <p:nvGrpSpPr>
+        <p:cNvPr id="1" name=""/>
+        <p:cNvGrpSpPr/>
+        <p:nvPr/>
+      </p:nvGrpSpPr>
+      <p:grpSpPr>
+        <a:xfrm>
+          <a:off x="0" y="0"/>
+          <a:ext cx="0" cy="0"/>
+          <a:chOff x="0" y="0"/>
+          <a:chExt cx="0" cy="0"/>
+        </a:xfrm>
+      </p:grpSpPr>
+      <p:pic>
+        <p:nvPicPr>
+          <p:cNvPr id="7" name="Picture 6"/>
+          <p:cNvPicPr>
+            <a:picLocks noChangeAspect="1"/>
+          </p:cNvPicPr>
+          <p:nvPr userDrawn="1"/>
+        </p:nvPicPr>
+        <p:blipFill>
+          <a:blip r:embed="rId2">
+            <a:extLst>
+              <a:ext uri="{28A0092B-C50C-407E-A947-70E740481C1C}">
+                <a14:useLocalDpi xmlns:a14="http://schemas.microsoft.com/office/drawing/2010/main" val="0"/>
+              </a:ext>
+            </a:extLst>
+          </a:blip>
+          <a:stretch>
+            <a:fillRect/>
+          </a:stretch>
+        </p:blipFill>
+        <p:spPr>
+          <a:xfrm>
+            <a:off x="0" y="0"/>
+            <a:ext cx="18288000" cy="10287000"/>
+          </a:xfrm>
+          <a:prstGeom prst="rect">
+            <a:avLst/>
+          </a:prstGeom>
+        </p:spPr>
+      </p:pic>
+      <p:sp>
+        <p:nvSpPr>
+          <p:cNvPr id="2" name="Title 1"/>
+          <p:cNvSpPr>
+            <a:spLocks noGrp="1"/>
+          </p:cNvSpPr>
+          <p:nvPr>
+            <p:ph type="ctrTitle"/>
+          </p:nvPr>
+        </p:nvSpPr>
+        <p:spPr>
+          <a:xfrm>
+            <a:off x="2286000" y="3101546"/>
+            <a:ext cx="13716000" cy="2163399"/>
+          </a:xfrm>
+        </p:spPr>
+        <p:txBody>
+          <a:bodyPr anchor="b"/>
+          <a:lstStyle>
+            <a:lvl1pPr algn="ctr">
+              <a:defRPr sz="9000"/>
+            </a:lvl1pPr>
+          </a:lstStyle>
+          <a:p>
+            <a:r>
+              <a:rPr lang="en-US"/>
+              <a:t>Click to edit Master title style</a:t>
+            </a:r>
+          </a:p>
+        </p:txBody>
+      </p:sp>
+      <p:sp>
+        <p:nvSpPr>
+          <p:cNvPr id="3" name="Subtitle 2"/>
+          <p:cNvSpPr>
+            <a:spLocks noGrp="1"/>
+          </p:cNvSpPr>
+          <p:nvPr>
+            <p:ph type="subTitle" idx="1"/>
+          </p:nvPr>
+        </p:nvSpPr>
+        <p:spPr>
+          <a:xfrm>
+            <a:off x="2286000" y="5403058"/>
+            <a:ext cx="13716000" cy="1405517"/>
+          </a:xfrm>
+        </p:spPr>
+        <p:txBody>
+          <a:bodyPr/>
+          <a:lstStyle>
+            <a:lvl1pPr marL="0" indent="0" algn="ctr">
+              <a:buNone/>
+              <a:defRPr sz="3600"/>
+            </a:lvl1pPr>
+            <a:lvl2pPr marL="685800" indent="0" algn="ctr">
+              <a:buNone/>
+              <a:defRPr sz="3000"/>
+            </a:lvl2pPr>
+            <a:lvl3pPr marL="1371600" indent="0" algn="ctr">
+              <a:buNone/>
+              <a:defRPr sz="2700"/>
+            </a:lvl3pPr>
+            <a:lvl4pPr marL="2057400" indent="0" algn="ctr">
+              <a:buNone/>
+              <a:defRPr sz="2400"/>
+            </a:lvl4pPr>
+            <a:lvl5pPr marL="2743200" indent="0" algn="ctr">
+              <a:buNone/>
+              <a:defRPr sz="2400"/>
+            </a:lvl5pPr>
+            <a:lvl6pPr marL="3429000" indent="0" algn="ctr">
+              <a:buNone/>
+              <a:defRPr sz="2400"/>
+            </a:lvl6pPr>
+            <a:lvl7pPr marL="4114800" indent="0" algn="ctr">
+              <a:buNone/>
+              <a:defRPr sz="2400"/>
+            </a:lvl7pPr>
+            <a:lvl8pPr marL="4800600" indent="0" algn="ctr">
+              <a:buNone/>
+              <a:defRPr sz="2400"/>
+            </a:lvl8pPr>
+            <a:lvl9pPr marL="5486400" indent="0" algn="ctr">
+              <a:buNone/>
+              <a:defRPr sz="2400"/>
+            </a:lvl9pPr>
+          </a:lstStyle>
+          <a:p>
+            <a:r>
+              <a:rPr lang="en-US"/>
+              <a:t>Click to edit Master subtitle style</a:t>
+            </a:r>
+          </a:p>
+        </p:txBody>
+      </p:sp>
+      <p:sp>
+        <p:nvSpPr>
+          <p:cNvPr id="4" name="Date Placeholder 3"/>
+          <p:cNvSpPr>
+            <a:spLocks noGrp="1"/>
+          </p:cNvSpPr>
+          <p:nvPr>
+            <p:ph type="dt" sz="half" idx="10"/>
+          </p:nvPr>
+        </p:nvSpPr>
+        <p:spPr/>
+        <p:txBody>
+          <a:bodyPr/>
+          <a:lstStyle/>
+          <a:p>
+            <a:fld id="{6D69D915-0C95-4E2B-A33E-1C81BBBB360F}" type="datetimeFigureOut">
+              <a:rPr lang="en-US" smtClean="0"/>
+              <a:t>10/22/2023</a:t>
+            </a:fld>
+            <a:endParaRPr lang="en-US"/>
+          </a:p>
+        </p:txBody>
+      </p:sp>
+      <p:sp>
+        <p:nvSpPr>
+          <p:cNvPr id="5" name="Footer Placeholder 4"/>
+          <p:cNvSpPr>
+            <a:spLocks noGrp="1"/>
+          </p:cNvSpPr>
+          <p:nvPr>
+            <p:ph type="ftr" sz="quarter" idx="11"/>
+          </p:nvPr>
+        </p:nvSpPr>
+        <p:spPr/>
+        <p:txBody>
+          <a:bodyPr/>
+          <a:lstStyle/>
+          <a:p>
+            <a:endParaRPr lang="en-US"/>
+          </a:p>
+        </p:txBody>
+      </p:sp>
+      <p:sp>
+        <p:nvSpPr>
+          <p:cNvPr id="6" name="Slide Number Placeholder 5"/>
+          <p:cNvSpPr>
+            <a:spLocks noGrp="1"/>
+          </p:cNvSpPr>
+          <p:nvPr>
+            <p:ph type="sldNum" sz="quarter" idx="12"/>
+          </p:nvPr>
+        </p:nvSpPr>
+        <p:spPr/>
+        <p:txBody>
+          <a:bodyPr/>
+          <a:lstStyle/>
+          <a:p>
+            <a:fld id="{5E2AC11C-9EA8-4635-A212-19ECE156EFE4}" type="slidenum">
+              <a:rPr lang="en-US" smtClean="0"/>
+              <a:t>‹#›</a:t>
+            </a:fld>
+            <a:endParaRPr lang="en-US"/>
+          </a:p>
+        </p:txBody>
+      </p:sp>
+    </p:spTree>
+    <p:extLst>
+      <p:ext uri="{BB962C8B-B14F-4D97-AF65-F5344CB8AC3E}">
+        <p14:creationId xmlns:p14="http://schemas.microsoft.com/office/powerpoint/2010/main" val="1025412693"/>
+      </p:ext>
+    </p:extLst>
+  </p:cSld>
+  <p:clrMapOvr>
+    <a:masterClrMapping/>
+  </p:clrMapOvr>
+</p:sldLayout>
+</file>
+
+<file path=ppt/slideLayouts/slideLayout13.xml><?xml version="1.0" encoding="utf-8"?>
+<p:sldLayout xmlns:a="http://schemas.openxmlformats.org/drawingml/2006/main" xmlns:r="http://schemas.openxmlformats.org/officeDocument/2006/relationships" xmlns:p="http://schemas.openxmlformats.org/presentationml/2006/main" type="obj" preserve="1">
+  <p:cSld name="Title and Content">
+    <p:spTree>
+      <p:nvGrpSpPr>
+        <p:cNvPr id="1" name=""/>
+        <p:cNvGrpSpPr/>
+        <p:nvPr/>
+      </p:nvGrpSpPr>
+      <p:grpSpPr>
+        <a:xfrm>
+          <a:off x="0" y="0"/>
+          <a:ext cx="0" cy="0"/>
+          <a:chOff x="0" y="0"/>
+          <a:chExt cx="0" cy="0"/>
+        </a:xfrm>
+      </p:grpSpPr>
+      <p:pic>
+        <p:nvPicPr>
+          <p:cNvPr id="7" name="Picture 6"/>
+          <p:cNvPicPr>
+            <a:picLocks noChangeAspect="1"/>
+          </p:cNvPicPr>
+          <p:nvPr userDrawn="1"/>
+        </p:nvPicPr>
+        <p:blipFill>
+          <a:blip r:embed="rId2">
+            <a:extLst>
+              <a:ext uri="{28A0092B-C50C-407E-A947-70E740481C1C}">
+                <a14:useLocalDpi xmlns:a14="http://schemas.microsoft.com/office/drawing/2010/main" val="0"/>
+              </a:ext>
+            </a:extLst>
+          </a:blip>
+          <a:stretch>
+            <a:fillRect/>
+          </a:stretch>
+        </p:blipFill>
+        <p:spPr>
+          <a:xfrm>
+            <a:off x="0" y="0"/>
+            <a:ext cx="18288000" cy="10287000"/>
+          </a:xfrm>
+          <a:prstGeom prst="rect">
+            <a:avLst/>
+          </a:prstGeom>
+        </p:spPr>
+      </p:pic>
+      <p:sp>
+        <p:nvSpPr>
+          <p:cNvPr id="2" name="Title 1"/>
+          <p:cNvSpPr>
+            <a:spLocks noGrp="1"/>
+          </p:cNvSpPr>
+          <p:nvPr>
+            <p:ph type="title"/>
+          </p:nvPr>
+        </p:nvSpPr>
+        <p:spPr>
+          <a:xfrm>
+            <a:off x="5560540" y="547688"/>
+            <a:ext cx="11470160" cy="1169195"/>
+          </a:xfrm>
+        </p:spPr>
+        <p:txBody>
+          <a:bodyPr/>
+          <a:lstStyle/>
+          <a:p>
+            <a:r>
+              <a:rPr lang="en-US"/>
+              <a:t>Click to edit Master title style</a:t>
+            </a:r>
+          </a:p>
+        </p:txBody>
+      </p:sp>
+      <p:sp>
+        <p:nvSpPr>
+          <p:cNvPr id="3" name="Content Placeholder 2"/>
+          <p:cNvSpPr>
+            <a:spLocks noGrp="1"/>
+          </p:cNvSpPr>
+          <p:nvPr>
+            <p:ph idx="1"/>
+          </p:nvPr>
+        </p:nvSpPr>
+        <p:spPr/>
+        <p:txBody>
+          <a:bodyPr/>
+          <a:lstStyle/>
+          <a:p>
+            <a:pPr lvl="0"/>
+            <a:r>
+              <a:rPr lang="en-US"/>
+              <a:t>Edit Master text styles</a:t>
+            </a:r>
+          </a:p>
+          <a:p>
+            <a:pPr lvl="1"/>
+            <a:r>
+              <a:rPr lang="en-US"/>
+              <a:t>Second level</a:t>
+            </a:r>
+          </a:p>
+          <a:p>
+            <a:pPr lvl="2"/>
+            <a:r>
+              <a:rPr lang="en-US"/>
+              <a:t>Third level</a:t>
+            </a:r>
+          </a:p>
+          <a:p>
+            <a:pPr lvl="3"/>
+            <a:r>
+              <a:rPr lang="en-US"/>
+              <a:t>Fourth level</a:t>
+            </a:r>
+          </a:p>
+          <a:p>
+            <a:pPr lvl="4"/>
+            <a:r>
+              <a:rPr lang="en-US"/>
+              <a:t>Fifth level</a:t>
+            </a:r>
+          </a:p>
+        </p:txBody>
+      </p:sp>
+      <p:sp>
+        <p:nvSpPr>
+          <p:cNvPr id="4" name="Date Placeholder 3"/>
+          <p:cNvSpPr>
+            <a:spLocks noGrp="1"/>
+          </p:cNvSpPr>
+          <p:nvPr>
+            <p:ph type="dt" sz="half" idx="10"/>
+          </p:nvPr>
+        </p:nvSpPr>
+        <p:spPr/>
+        <p:txBody>
+          <a:bodyPr/>
+          <a:lstStyle/>
+          <a:p>
+            <a:fld id="{6D69D915-0C95-4E2B-A33E-1C81BBBB360F}" type="datetimeFigureOut">
+              <a:rPr lang="en-US" smtClean="0"/>
+              <a:t>10/22/2023</a:t>
+            </a:fld>
+            <a:endParaRPr lang="en-US"/>
+          </a:p>
+        </p:txBody>
+      </p:sp>
+      <p:sp>
+        <p:nvSpPr>
+          <p:cNvPr id="5" name="Footer Placeholder 4"/>
+          <p:cNvSpPr>
+            <a:spLocks noGrp="1"/>
+          </p:cNvSpPr>
+          <p:nvPr>
+            <p:ph type="ftr" sz="quarter" idx="11"/>
+          </p:nvPr>
+        </p:nvSpPr>
+        <p:spPr/>
+        <p:txBody>
+          <a:bodyPr/>
+          <a:lstStyle/>
+          <a:p>
+            <a:endParaRPr lang="en-US"/>
+          </a:p>
+        </p:txBody>
+      </p:sp>
+      <p:sp>
+        <p:nvSpPr>
+          <p:cNvPr id="6" name="Slide Number Placeholder 5"/>
+          <p:cNvSpPr>
+            <a:spLocks noGrp="1"/>
+          </p:cNvSpPr>
+          <p:nvPr>
+            <p:ph type="sldNum" sz="quarter" idx="12"/>
+          </p:nvPr>
+        </p:nvSpPr>
+        <p:spPr/>
+        <p:txBody>
+          <a:bodyPr/>
+          <a:lstStyle/>
+          <a:p>
+            <a:fld id="{5E2AC11C-9EA8-4635-A212-19ECE156EFE4}" type="slidenum">
+              <a:rPr lang="en-US" smtClean="0"/>
+              <a:t>‹#›</a:t>
+            </a:fld>
+            <a:endParaRPr lang="en-US"/>
+          </a:p>
+        </p:txBody>
+      </p:sp>
+    </p:spTree>
+    <p:extLst>
+      <p:ext uri="{BB962C8B-B14F-4D97-AF65-F5344CB8AC3E}">
+        <p14:creationId xmlns:p14="http://schemas.microsoft.com/office/powerpoint/2010/main" val="2847262813"/>
+      </p:ext>
+    </p:extLst>
+  </p:cSld>
+  <p:clrMapOvr>
+    <a:masterClrMapping/>
+  </p:clrMapOvr>
+</p:sldLayout>
+</file>
+
+<file path=ppt/slideLayouts/slideLayout14.xml><?xml version="1.0" encoding="utf-8"?>
+<p:sldLayout xmlns:a="http://schemas.openxmlformats.org/drawingml/2006/main" xmlns:r="http://schemas.openxmlformats.org/officeDocument/2006/relationships" xmlns:p="http://schemas.openxmlformats.org/presentationml/2006/main" type="secHead" preserve="1">
+  <p:cSld name="Section Header">
+    <p:spTree>
+      <p:nvGrpSpPr>
+        <p:cNvPr id="1" name=""/>
+        <p:cNvGrpSpPr/>
+        <p:nvPr/>
+      </p:nvGrpSpPr>
+      <p:grpSpPr>
+        <a:xfrm>
+          <a:off x="0" y="0"/>
+          <a:ext cx="0" cy="0"/>
+          <a:chOff x="0" y="0"/>
+          <a:chExt cx="0" cy="0"/>
+        </a:xfrm>
+      </p:grpSpPr>
+      <p:sp>
+        <p:nvSpPr>
+          <p:cNvPr id="2" name="Title 1"/>
+          <p:cNvSpPr>
+            <a:spLocks noGrp="1"/>
+          </p:cNvSpPr>
+          <p:nvPr>
+            <p:ph type="title"/>
+          </p:nvPr>
+        </p:nvSpPr>
+        <p:spPr>
+          <a:xfrm>
+            <a:off x="1247775" y="2564608"/>
+            <a:ext cx="15773400" cy="4279106"/>
+          </a:xfrm>
+        </p:spPr>
+        <p:txBody>
+          <a:bodyPr anchor="b"/>
+          <a:lstStyle>
+            <a:lvl1pPr>
+              <a:defRPr sz="9000"/>
+            </a:lvl1pPr>
+          </a:lstStyle>
+          <a:p>
+            <a:r>
+              <a:rPr lang="en-US"/>
+              <a:t>Click to edit Master title style</a:t>
+            </a:r>
+          </a:p>
+        </p:txBody>
+      </p:sp>
+      <p:sp>
+        <p:nvSpPr>
+          <p:cNvPr id="3" name="Text Placeholder 2"/>
+          <p:cNvSpPr>
+            <a:spLocks noGrp="1"/>
+          </p:cNvSpPr>
+          <p:nvPr>
+            <p:ph type="body" idx="1"/>
+          </p:nvPr>
+        </p:nvSpPr>
+        <p:spPr>
+          <a:xfrm>
+            <a:off x="1247775" y="6884195"/>
+            <a:ext cx="15773400" cy="2250281"/>
+          </a:xfrm>
+        </p:spPr>
+        <p:txBody>
+          <a:bodyPr/>
+          <a:lstStyle>
+            <a:lvl1pPr marL="0" indent="0">
+              <a:buNone/>
+              <a:defRPr sz="3600">
+                <a:solidFill>
+                  <a:schemeClr val="tx1">
+                    <a:tint val="75000"/>
+                  </a:schemeClr>
+                </a:solidFill>
+              </a:defRPr>
+            </a:lvl1pPr>
+            <a:lvl2pPr marL="685800" indent="0">
+              <a:buNone/>
+              <a:defRPr sz="3000">
+                <a:solidFill>
+                  <a:schemeClr val="tx1">
+                    <a:tint val="75000"/>
+                  </a:schemeClr>
+                </a:solidFill>
+              </a:defRPr>
+            </a:lvl2pPr>
+            <a:lvl3pPr marL="1371600" indent="0">
+              <a:buNone/>
+              <a:defRPr sz="2700">
+                <a:solidFill>
+                  <a:schemeClr val="tx1">
+                    <a:tint val="75000"/>
+                  </a:schemeClr>
+                </a:solidFill>
+              </a:defRPr>
+            </a:lvl3pPr>
+            <a:lvl4pPr marL="2057400" indent="0">
+              <a:buNone/>
+              <a:defRPr sz="2400">
+                <a:solidFill>
+                  <a:schemeClr val="tx1">
+                    <a:tint val="75000"/>
+                  </a:schemeClr>
+                </a:solidFill>
+              </a:defRPr>
+            </a:lvl4pPr>
+            <a:lvl5pPr marL="2743200" indent="0">
+              <a:buNone/>
+              <a:defRPr sz="2400">
+                <a:solidFill>
+                  <a:schemeClr val="tx1">
+                    <a:tint val="75000"/>
+                  </a:schemeClr>
+                </a:solidFill>
+              </a:defRPr>
+            </a:lvl5pPr>
+            <a:lvl6pPr marL="3429000" indent="0">
+              <a:buNone/>
+              <a:defRPr sz="2400">
+                <a:solidFill>
+                  <a:schemeClr val="tx1">
+                    <a:tint val="75000"/>
+                  </a:schemeClr>
+                </a:solidFill>
+              </a:defRPr>
+            </a:lvl6pPr>
+            <a:lvl7pPr marL="4114800" indent="0">
+              <a:buNone/>
+              <a:defRPr sz="2400">
+                <a:solidFill>
+                  <a:schemeClr val="tx1">
+                    <a:tint val="75000"/>
+                  </a:schemeClr>
+                </a:solidFill>
+              </a:defRPr>
+            </a:lvl7pPr>
+            <a:lvl8pPr marL="4800600" indent="0">
+              <a:buNone/>
+              <a:defRPr sz="2400">
+                <a:solidFill>
+                  <a:schemeClr val="tx1">
+                    <a:tint val="75000"/>
+                  </a:schemeClr>
+                </a:solidFill>
+              </a:defRPr>
+            </a:lvl8pPr>
+            <a:lvl9pPr marL="5486400" indent="0">
+              <a:buNone/>
+              <a:defRPr sz="2400">
+                <a:solidFill>
+                  <a:schemeClr val="tx1">
+                    <a:tint val="75000"/>
+                  </a:schemeClr>
+                </a:solidFill>
+              </a:defRPr>
+            </a:lvl9pPr>
+          </a:lstStyle>
+          <a:p>
+            <a:pPr lvl="0"/>
+            <a:r>
+              <a:rPr lang="en-US"/>
+              <a:t>Edit Master text styles</a:t>
+            </a:r>
+          </a:p>
+        </p:txBody>
+      </p:sp>
+      <p:sp>
+        <p:nvSpPr>
+          <p:cNvPr id="4" name="Date Placeholder 3"/>
+          <p:cNvSpPr>
+            <a:spLocks noGrp="1"/>
+          </p:cNvSpPr>
+          <p:nvPr>
+            <p:ph type="dt" sz="half" idx="10"/>
+          </p:nvPr>
+        </p:nvSpPr>
+        <p:spPr/>
+        <p:txBody>
+          <a:bodyPr/>
+          <a:lstStyle/>
+          <a:p>
+            <a:fld id="{6D69D915-0C95-4E2B-A33E-1C81BBBB360F}" type="datetimeFigureOut">
+              <a:rPr lang="en-US" smtClean="0"/>
+              <a:t>10/22/2023</a:t>
+            </a:fld>
+            <a:endParaRPr lang="en-US"/>
+          </a:p>
+        </p:txBody>
+      </p:sp>
+      <p:sp>
+        <p:nvSpPr>
+          <p:cNvPr id="5" name="Footer Placeholder 4"/>
+          <p:cNvSpPr>
+            <a:spLocks noGrp="1"/>
+          </p:cNvSpPr>
+          <p:nvPr>
+            <p:ph type="ftr" sz="quarter" idx="11"/>
+          </p:nvPr>
+        </p:nvSpPr>
+        <p:spPr/>
+        <p:txBody>
+          <a:bodyPr/>
+          <a:lstStyle/>
+          <a:p>
+            <a:endParaRPr lang="en-US"/>
+          </a:p>
+        </p:txBody>
+      </p:sp>
+      <p:sp>
+        <p:nvSpPr>
+          <p:cNvPr id="6" name="Slide Number Placeholder 5"/>
+          <p:cNvSpPr>
+            <a:spLocks noGrp="1"/>
+          </p:cNvSpPr>
+          <p:nvPr>
+            <p:ph type="sldNum" sz="quarter" idx="12"/>
+          </p:nvPr>
+        </p:nvSpPr>
+        <p:spPr/>
+        <p:txBody>
+          <a:bodyPr/>
+          <a:lstStyle/>
+          <a:p>
+            <a:fld id="{5E2AC11C-9EA8-4635-A212-19ECE156EFE4}" type="slidenum">
+              <a:rPr lang="en-US" smtClean="0"/>
+              <a:t>‹#›</a:t>
+            </a:fld>
+            <a:endParaRPr lang="en-US"/>
+          </a:p>
+        </p:txBody>
+      </p:sp>
+    </p:spTree>
+    <p:extLst>
+      <p:ext uri="{BB962C8B-B14F-4D97-AF65-F5344CB8AC3E}">
+        <p14:creationId xmlns:p14="http://schemas.microsoft.com/office/powerpoint/2010/main" val="2005067994"/>
+      </p:ext>
+    </p:extLst>
+  </p:cSld>
+  <p:clrMapOvr>
+    <a:masterClrMapping/>
+  </p:clrMapOvr>
+</p:sldLayout>
+</file>
+
+<file path=ppt/slideLayouts/slideLayout15.xml><?xml version="1.0" encoding="utf-8"?>
+<p:sldLayout xmlns:a="http://schemas.openxmlformats.org/drawingml/2006/main" xmlns:r="http://schemas.openxmlformats.org/officeDocument/2006/relationships" xmlns:p="http://schemas.openxmlformats.org/presentationml/2006/main" type="twoObj" preserve="1">
+  <p:cSld name="Two Content">
+    <p:spTree>
+      <p:nvGrpSpPr>
+        <p:cNvPr id="1" name=""/>
+        <p:cNvGrpSpPr/>
+        <p:nvPr/>
+      </p:nvGrpSpPr>
+      <p:grpSpPr>
+        <a:xfrm>
+          <a:off x="0" y="0"/>
+          <a:ext cx="0" cy="0"/>
+          <a:chOff x="0" y="0"/>
+          <a:chExt cx="0" cy="0"/>
+        </a:xfrm>
+      </p:grpSpPr>
+      <p:sp>
+        <p:nvSpPr>
+          <p:cNvPr id="2" name="Title 1"/>
+          <p:cNvSpPr>
+            <a:spLocks noGrp="1"/>
+          </p:cNvSpPr>
+          <p:nvPr>
+            <p:ph type="title"/>
+          </p:nvPr>
+        </p:nvSpPr>
+        <p:spPr/>
+        <p:txBody>
+          <a:bodyPr/>
+          <a:lstStyle/>
+          <a:p>
+            <a:r>
+              <a:rPr lang="en-US"/>
+              <a:t>Click to edit Master title style</a:t>
+            </a:r>
+          </a:p>
+        </p:txBody>
+      </p:sp>
+      <p:sp>
+        <p:nvSpPr>
+          <p:cNvPr id="3" name="Content Placeholder 2"/>
+          <p:cNvSpPr>
+            <a:spLocks noGrp="1"/>
+          </p:cNvSpPr>
+          <p:nvPr>
+            <p:ph sz="half" idx="1"/>
+          </p:nvPr>
+        </p:nvSpPr>
+        <p:spPr>
+          <a:xfrm>
+            <a:off x="1257300" y="2738438"/>
+            <a:ext cx="7772400" cy="6527007"/>
+          </a:xfrm>
+        </p:spPr>
+        <p:txBody>
+          <a:bodyPr/>
+          <a:lstStyle/>
+          <a:p>
+            <a:pPr lvl="0"/>
+            <a:r>
+              <a:rPr lang="en-US"/>
+              <a:t>Edit Master text styles</a:t>
+            </a:r>
+          </a:p>
+          <a:p>
+            <a:pPr lvl="1"/>
+            <a:r>
+              <a:rPr lang="en-US"/>
+              <a:t>Second level</a:t>
+            </a:r>
+          </a:p>
+          <a:p>
+            <a:pPr lvl="2"/>
+            <a:r>
+              <a:rPr lang="en-US"/>
+              <a:t>Third level</a:t>
+            </a:r>
+          </a:p>
+          <a:p>
+            <a:pPr lvl="3"/>
+            <a:r>
+              <a:rPr lang="en-US"/>
+              <a:t>Fourth level</a:t>
+            </a:r>
+          </a:p>
+          <a:p>
+            <a:pPr lvl="4"/>
+            <a:r>
+              <a:rPr lang="en-US"/>
+              <a:t>Fifth level</a:t>
+            </a:r>
+          </a:p>
+        </p:txBody>
+      </p:sp>
+      <p:sp>
+        <p:nvSpPr>
+          <p:cNvPr id="4" name="Content Placeholder 3"/>
+          <p:cNvSpPr>
+            <a:spLocks noGrp="1"/>
+          </p:cNvSpPr>
+          <p:nvPr>
+            <p:ph sz="half" idx="2"/>
+          </p:nvPr>
+        </p:nvSpPr>
+        <p:spPr>
+          <a:xfrm>
+            <a:off x="9258300" y="2738438"/>
+            <a:ext cx="7772400" cy="6527007"/>
+          </a:xfrm>
+        </p:spPr>
+        <p:txBody>
+          <a:bodyPr/>
+          <a:lstStyle/>
+          <a:p>
+            <a:pPr lvl="0"/>
+            <a:r>
+              <a:rPr lang="en-US"/>
+              <a:t>Edit Master text styles</a:t>
+            </a:r>
+          </a:p>
+          <a:p>
+            <a:pPr lvl="1"/>
+            <a:r>
+              <a:rPr lang="en-US"/>
+              <a:t>Second level</a:t>
+            </a:r>
+          </a:p>
+          <a:p>
+            <a:pPr lvl="2"/>
+            <a:r>
+              <a:rPr lang="en-US"/>
+              <a:t>Third level</a:t>
+            </a:r>
+          </a:p>
+          <a:p>
+            <a:pPr lvl="3"/>
+            <a:r>
+              <a:rPr lang="en-US"/>
+              <a:t>Fourth level</a:t>
+            </a:r>
+          </a:p>
+          <a:p>
+            <a:pPr lvl="4"/>
+            <a:r>
+              <a:rPr lang="en-US"/>
+              <a:t>Fifth level</a:t>
+            </a:r>
+          </a:p>
+        </p:txBody>
+      </p:sp>
+      <p:sp>
+        <p:nvSpPr>
+          <p:cNvPr id="5" name="Date Placeholder 4"/>
+          <p:cNvSpPr>
+            <a:spLocks noGrp="1"/>
+          </p:cNvSpPr>
+          <p:nvPr>
+            <p:ph type="dt" sz="half" idx="10"/>
+          </p:nvPr>
+        </p:nvSpPr>
+        <p:spPr/>
+        <p:txBody>
+          <a:bodyPr/>
+          <a:lstStyle/>
+          <a:p>
+            <a:fld id="{6D69D915-0C95-4E2B-A33E-1C81BBBB360F}" type="datetimeFigureOut">
+              <a:rPr lang="en-US" smtClean="0"/>
+              <a:t>10/22/2023</a:t>
+            </a:fld>
+            <a:endParaRPr lang="en-US"/>
+          </a:p>
+        </p:txBody>
+      </p:sp>
+      <p:sp>
+        <p:nvSpPr>
+          <p:cNvPr id="6" name="Footer Placeholder 5"/>
+          <p:cNvSpPr>
+            <a:spLocks noGrp="1"/>
+          </p:cNvSpPr>
+          <p:nvPr>
+            <p:ph type="ftr" sz="quarter" idx="11"/>
+          </p:nvPr>
+        </p:nvSpPr>
+        <p:spPr/>
+        <p:txBody>
+          <a:bodyPr/>
+          <a:lstStyle/>
+          <a:p>
+            <a:endParaRPr lang="en-US"/>
+          </a:p>
+        </p:txBody>
+      </p:sp>
+      <p:sp>
+        <p:nvSpPr>
+          <p:cNvPr id="7" name="Slide Number Placeholder 6"/>
+          <p:cNvSpPr>
+            <a:spLocks noGrp="1"/>
+          </p:cNvSpPr>
+          <p:nvPr>
+            <p:ph type="sldNum" sz="quarter" idx="12"/>
+          </p:nvPr>
+        </p:nvSpPr>
+        <p:spPr/>
+        <p:txBody>
+          <a:bodyPr/>
+          <a:lstStyle/>
+          <a:p>
+            <a:fld id="{5E2AC11C-9EA8-4635-A212-19ECE156EFE4}" type="slidenum">
+              <a:rPr lang="en-US" smtClean="0"/>
+              <a:t>‹#›</a:t>
+            </a:fld>
+            <a:endParaRPr lang="en-US"/>
+          </a:p>
+        </p:txBody>
+      </p:sp>
+    </p:spTree>
+    <p:extLst>
+      <p:ext uri="{BB962C8B-B14F-4D97-AF65-F5344CB8AC3E}">
+        <p14:creationId xmlns:p14="http://schemas.microsoft.com/office/powerpoint/2010/main" val="626096160"/>
+      </p:ext>
+    </p:extLst>
+  </p:cSld>
+  <p:clrMapOvr>
+    <a:masterClrMapping/>
+  </p:clrMapOvr>
+</p:sldLayout>
+</file>
+
+<file path=ppt/slideLayouts/slideLayout16.xml><?xml version="1.0" encoding="utf-8"?>
+<p:sldLayout xmlns:a="http://schemas.openxmlformats.org/drawingml/2006/main" xmlns:r="http://schemas.openxmlformats.org/officeDocument/2006/relationships" xmlns:p="http://schemas.openxmlformats.org/presentationml/2006/main" type="twoTxTwoObj" preserve="1">
+  <p:cSld name="Comparison">
+    <p:spTree>
+      <p:nvGrpSpPr>
+        <p:cNvPr id="1" name=""/>
+        <p:cNvGrpSpPr/>
+        <p:nvPr/>
+      </p:nvGrpSpPr>
+      <p:grpSpPr>
+        <a:xfrm>
+          <a:off x="0" y="0"/>
+          <a:ext cx="0" cy="0"/>
+          <a:chOff x="0" y="0"/>
+          <a:chExt cx="0" cy="0"/>
+        </a:xfrm>
+      </p:grpSpPr>
+      <p:sp>
+        <p:nvSpPr>
+          <p:cNvPr id="2" name="Title 1"/>
+          <p:cNvSpPr>
+            <a:spLocks noGrp="1"/>
+          </p:cNvSpPr>
+          <p:nvPr>
+            <p:ph type="title"/>
+          </p:nvPr>
+        </p:nvSpPr>
+        <p:spPr>
+          <a:xfrm>
+            <a:off x="1259682" y="547688"/>
+            <a:ext cx="15773400" cy="1988345"/>
+          </a:xfrm>
+        </p:spPr>
+        <p:txBody>
+          <a:bodyPr/>
+          <a:lstStyle/>
+          <a:p>
+            <a:r>
+              <a:rPr lang="en-US"/>
+              <a:t>Click to edit Master title style</a:t>
+            </a:r>
+          </a:p>
+        </p:txBody>
+      </p:sp>
+      <p:sp>
+        <p:nvSpPr>
+          <p:cNvPr id="3" name="Text Placeholder 2"/>
+          <p:cNvSpPr>
+            <a:spLocks noGrp="1"/>
+          </p:cNvSpPr>
+          <p:nvPr>
+            <p:ph type="body" idx="1"/>
+          </p:nvPr>
+        </p:nvSpPr>
+        <p:spPr>
+          <a:xfrm>
+            <a:off x="1259683" y="2521745"/>
+            <a:ext cx="7736681" cy="1235868"/>
+          </a:xfrm>
+        </p:spPr>
+        <p:txBody>
+          <a:bodyPr anchor="b"/>
+          <a:lstStyle>
+            <a:lvl1pPr marL="0" indent="0">
+              <a:buNone/>
+              <a:defRPr sz="3600" b="1"/>
+            </a:lvl1pPr>
+            <a:lvl2pPr marL="685800" indent="0">
+              <a:buNone/>
+              <a:defRPr sz="3000" b="1"/>
+            </a:lvl2pPr>
+            <a:lvl3pPr marL="1371600" indent="0">
+              <a:buNone/>
+              <a:defRPr sz="2700" b="1"/>
+            </a:lvl3pPr>
+            <a:lvl4pPr marL="2057400" indent="0">
+              <a:buNone/>
+              <a:defRPr sz="2400" b="1"/>
+            </a:lvl4pPr>
+            <a:lvl5pPr marL="2743200" indent="0">
+              <a:buNone/>
+              <a:defRPr sz="2400" b="1"/>
+            </a:lvl5pPr>
+            <a:lvl6pPr marL="3429000" indent="0">
+              <a:buNone/>
+              <a:defRPr sz="2400" b="1"/>
+            </a:lvl6pPr>
+            <a:lvl7pPr marL="4114800" indent="0">
+              <a:buNone/>
+              <a:defRPr sz="2400" b="1"/>
+            </a:lvl7pPr>
+            <a:lvl8pPr marL="4800600" indent="0">
+              <a:buNone/>
+              <a:defRPr sz="2400" b="1"/>
+            </a:lvl8pPr>
+            <a:lvl9pPr marL="5486400" indent="0">
+              <a:buNone/>
+              <a:defRPr sz="2400" b="1"/>
+            </a:lvl9pPr>
+          </a:lstStyle>
+          <a:p>
+            <a:pPr lvl="0"/>
+            <a:r>
+              <a:rPr lang="en-US"/>
+              <a:t>Edit Master text styles</a:t>
+            </a:r>
+          </a:p>
+        </p:txBody>
+      </p:sp>
+      <p:sp>
+        <p:nvSpPr>
+          <p:cNvPr id="4" name="Content Placeholder 3"/>
+          <p:cNvSpPr>
+            <a:spLocks noGrp="1"/>
+          </p:cNvSpPr>
+          <p:nvPr>
+            <p:ph sz="half" idx="2"/>
+          </p:nvPr>
+        </p:nvSpPr>
+        <p:spPr>
+          <a:xfrm>
+            <a:off x="1259683" y="3757613"/>
+            <a:ext cx="7736681" cy="5526882"/>
+          </a:xfrm>
+        </p:spPr>
+        <p:txBody>
+          <a:bodyPr/>
+          <a:lstStyle/>
+          <a:p>
+            <a:pPr lvl="0"/>
+            <a:r>
+              <a:rPr lang="en-US"/>
+              <a:t>Edit Master text styles</a:t>
+            </a:r>
+          </a:p>
+          <a:p>
+            <a:pPr lvl="1"/>
+            <a:r>
+              <a:rPr lang="en-US"/>
+              <a:t>Second level</a:t>
+            </a:r>
+          </a:p>
+          <a:p>
+            <a:pPr lvl="2"/>
+            <a:r>
+              <a:rPr lang="en-US"/>
+              <a:t>Third level</a:t>
+            </a:r>
+          </a:p>
+          <a:p>
+            <a:pPr lvl="3"/>
+            <a:r>
+              <a:rPr lang="en-US"/>
+              <a:t>Fourth level</a:t>
+            </a:r>
+          </a:p>
+          <a:p>
+            <a:pPr lvl="4"/>
+            <a:r>
+              <a:rPr lang="en-US"/>
+              <a:t>Fifth level</a:t>
+            </a:r>
+          </a:p>
+        </p:txBody>
+      </p:sp>
+      <p:sp>
+        <p:nvSpPr>
+          <p:cNvPr id="5" name="Text Placeholder 4"/>
+          <p:cNvSpPr>
+            <a:spLocks noGrp="1"/>
+          </p:cNvSpPr>
+          <p:nvPr>
+            <p:ph type="body" sz="quarter" idx="3"/>
+          </p:nvPr>
+        </p:nvSpPr>
+        <p:spPr>
+          <a:xfrm>
+            <a:off x="9258300" y="2521745"/>
+            <a:ext cx="7774782" cy="1235868"/>
+          </a:xfrm>
+        </p:spPr>
+        <p:txBody>
+          <a:bodyPr anchor="b"/>
+          <a:lstStyle>
+            <a:lvl1pPr marL="0" indent="0">
+              <a:buNone/>
+              <a:defRPr sz="3600" b="1"/>
+            </a:lvl1pPr>
+            <a:lvl2pPr marL="685800" indent="0">
+              <a:buNone/>
+              <a:defRPr sz="3000" b="1"/>
+            </a:lvl2pPr>
+            <a:lvl3pPr marL="1371600" indent="0">
+              <a:buNone/>
+              <a:defRPr sz="2700" b="1"/>
+            </a:lvl3pPr>
+            <a:lvl4pPr marL="2057400" indent="0">
+              <a:buNone/>
+              <a:defRPr sz="2400" b="1"/>
+            </a:lvl4pPr>
+            <a:lvl5pPr marL="2743200" indent="0">
+              <a:buNone/>
+              <a:defRPr sz="2400" b="1"/>
+            </a:lvl5pPr>
+            <a:lvl6pPr marL="3429000" indent="0">
+              <a:buNone/>
+              <a:defRPr sz="2400" b="1"/>
+            </a:lvl6pPr>
+            <a:lvl7pPr marL="4114800" indent="0">
+              <a:buNone/>
+              <a:defRPr sz="2400" b="1"/>
+            </a:lvl7pPr>
+            <a:lvl8pPr marL="4800600" indent="0">
+              <a:buNone/>
+              <a:defRPr sz="2400" b="1"/>
+            </a:lvl8pPr>
+            <a:lvl9pPr marL="5486400" indent="0">
+              <a:buNone/>
+              <a:defRPr sz="2400" b="1"/>
+            </a:lvl9pPr>
+          </a:lstStyle>
+          <a:p>
+            <a:pPr lvl="0"/>
+            <a:r>
+              <a:rPr lang="en-US"/>
+              <a:t>Edit Master text styles</a:t>
+            </a:r>
+          </a:p>
+        </p:txBody>
+      </p:sp>
+      <p:sp>
+        <p:nvSpPr>
+          <p:cNvPr id="6" name="Content Placeholder 5"/>
+          <p:cNvSpPr>
+            <a:spLocks noGrp="1"/>
+          </p:cNvSpPr>
+          <p:nvPr>
+            <p:ph sz="quarter" idx="4"/>
+          </p:nvPr>
+        </p:nvSpPr>
+        <p:spPr>
+          <a:xfrm>
+            <a:off x="9258300" y="3757613"/>
+            <a:ext cx="7774782" cy="5526882"/>
+          </a:xfrm>
+        </p:spPr>
+        <p:txBody>
+          <a:bodyPr/>
+          <a:lstStyle/>
+          <a:p>
+            <a:pPr lvl="0"/>
+            <a:r>
+              <a:rPr lang="en-US"/>
+              <a:t>Edit Master text styles</a:t>
+            </a:r>
+          </a:p>
+          <a:p>
+            <a:pPr lvl="1"/>
+            <a:r>
+              <a:rPr lang="en-US"/>
+              <a:t>Second level</a:t>
+            </a:r>
+          </a:p>
+          <a:p>
+            <a:pPr lvl="2"/>
+            <a:r>
+              <a:rPr lang="en-US"/>
+              <a:t>Third level</a:t>
+            </a:r>
+          </a:p>
+          <a:p>
+            <a:pPr lvl="3"/>
+            <a:r>
+              <a:rPr lang="en-US"/>
+              <a:t>Fourth level</a:t>
+            </a:r>
+          </a:p>
+          <a:p>
+            <a:pPr lvl="4"/>
+            <a:r>
+              <a:rPr lang="en-US"/>
+              <a:t>Fifth level</a:t>
+            </a:r>
+          </a:p>
+        </p:txBody>
+      </p:sp>
+      <p:sp>
+        <p:nvSpPr>
+          <p:cNvPr id="7" name="Date Placeholder 6"/>
+          <p:cNvSpPr>
+            <a:spLocks noGrp="1"/>
+          </p:cNvSpPr>
+          <p:nvPr>
+            <p:ph type="dt" sz="half" idx="10"/>
+          </p:nvPr>
+        </p:nvSpPr>
+        <p:spPr/>
+        <p:txBody>
+          <a:bodyPr/>
+          <a:lstStyle/>
+          <a:p>
+            <a:fld id="{6D69D915-0C95-4E2B-A33E-1C81BBBB360F}" type="datetimeFigureOut">
+              <a:rPr lang="en-US" smtClean="0"/>
+              <a:t>10/22/2023</a:t>
+            </a:fld>
+            <a:endParaRPr lang="en-US"/>
+          </a:p>
+        </p:txBody>
+      </p:sp>
+      <p:sp>
+        <p:nvSpPr>
+          <p:cNvPr id="8" name="Footer Placeholder 7"/>
+          <p:cNvSpPr>
+            <a:spLocks noGrp="1"/>
+          </p:cNvSpPr>
+          <p:nvPr>
+            <p:ph type="ftr" sz="quarter" idx="11"/>
+          </p:nvPr>
+        </p:nvSpPr>
+        <p:spPr/>
+        <p:txBody>
+          <a:bodyPr/>
+          <a:lstStyle/>
+          <a:p>
+            <a:endParaRPr lang="en-US"/>
+          </a:p>
+        </p:txBody>
+      </p:sp>
+      <p:sp>
+        <p:nvSpPr>
+          <p:cNvPr id="9" name="Slide Number Placeholder 8"/>
+          <p:cNvSpPr>
+            <a:spLocks noGrp="1"/>
+          </p:cNvSpPr>
+          <p:nvPr>
+            <p:ph type="sldNum" sz="quarter" idx="12"/>
+          </p:nvPr>
+        </p:nvSpPr>
+        <p:spPr/>
+        <p:txBody>
+          <a:bodyPr/>
+          <a:lstStyle/>
+          <a:p>
+            <a:fld id="{5E2AC11C-9EA8-4635-A212-19ECE156EFE4}" type="slidenum">
+              <a:rPr lang="en-US" smtClean="0"/>
+              <a:t>‹#›</a:t>
+            </a:fld>
+            <a:endParaRPr lang="en-US"/>
+          </a:p>
+        </p:txBody>
+      </p:sp>
+    </p:spTree>
+    <p:extLst>
+      <p:ext uri="{BB962C8B-B14F-4D97-AF65-F5344CB8AC3E}">
+        <p14:creationId xmlns:p14="http://schemas.microsoft.com/office/powerpoint/2010/main" val="3832304371"/>
+      </p:ext>
+    </p:extLst>
+  </p:cSld>
+  <p:clrMapOvr>
+    <a:masterClrMapping/>
+  </p:clrMapOvr>
+</p:sldLayout>
+</file>
+
+<file path=ppt/slideLayouts/slideLayout17.xml><?xml version="1.0" encoding="utf-8"?>
+<p:sldLayout xmlns:a="http://schemas.openxmlformats.org/drawingml/2006/main" xmlns:r="http://schemas.openxmlformats.org/officeDocument/2006/relationships" xmlns:p="http://schemas.openxmlformats.org/presentationml/2006/main" type="titleOnly" preserve="1">
+  <p:cSld name="Title Only">
+    <p:spTree>
+      <p:nvGrpSpPr>
+        <p:cNvPr id="1" name=""/>
+        <p:cNvGrpSpPr/>
+        <p:nvPr/>
+      </p:nvGrpSpPr>
+      <p:grpSpPr>
+        <a:xfrm>
+          <a:off x="0" y="0"/>
+          <a:ext cx="0" cy="0"/>
+          <a:chOff x="0" y="0"/>
+          <a:chExt cx="0" cy="0"/>
+        </a:xfrm>
+      </p:grpSpPr>
+      <p:sp>
+        <p:nvSpPr>
+          <p:cNvPr id="2" name="Title 1"/>
+          <p:cNvSpPr>
+            <a:spLocks noGrp="1"/>
+          </p:cNvSpPr>
+          <p:nvPr>
+            <p:ph type="title"/>
+          </p:nvPr>
+        </p:nvSpPr>
+        <p:spPr/>
+        <p:txBody>
+          <a:bodyPr/>
+          <a:lstStyle/>
+          <a:p>
+            <a:r>
+              <a:rPr lang="en-US"/>
+              <a:t>Click to edit Master title style</a:t>
+            </a:r>
+          </a:p>
+        </p:txBody>
+      </p:sp>
+      <p:sp>
+        <p:nvSpPr>
+          <p:cNvPr id="3" name="Date Placeholder 2"/>
+          <p:cNvSpPr>
+            <a:spLocks noGrp="1"/>
+          </p:cNvSpPr>
+          <p:nvPr>
+            <p:ph type="dt" sz="half" idx="10"/>
+          </p:nvPr>
+        </p:nvSpPr>
+        <p:spPr/>
+        <p:txBody>
+          <a:bodyPr/>
+          <a:lstStyle/>
+          <a:p>
+            <a:fld id="{6D69D915-0C95-4E2B-A33E-1C81BBBB360F}" type="datetimeFigureOut">
+              <a:rPr lang="en-US" smtClean="0"/>
+              <a:t>10/22/2023</a:t>
+            </a:fld>
+            <a:endParaRPr lang="en-US"/>
+          </a:p>
+        </p:txBody>
+      </p:sp>
+      <p:sp>
+        <p:nvSpPr>
+          <p:cNvPr id="4" name="Footer Placeholder 3"/>
+          <p:cNvSpPr>
+            <a:spLocks noGrp="1"/>
+          </p:cNvSpPr>
+          <p:nvPr>
+            <p:ph type="ftr" sz="quarter" idx="11"/>
+          </p:nvPr>
+        </p:nvSpPr>
+        <p:spPr/>
+        <p:txBody>
+          <a:bodyPr/>
+          <a:lstStyle/>
+          <a:p>
+            <a:endParaRPr lang="en-US"/>
+          </a:p>
+        </p:txBody>
+      </p:sp>
+      <p:sp>
+        <p:nvSpPr>
+          <p:cNvPr id="5" name="Slide Number Placeholder 4"/>
+          <p:cNvSpPr>
+            <a:spLocks noGrp="1"/>
+          </p:cNvSpPr>
+          <p:nvPr>
+            <p:ph type="sldNum" sz="quarter" idx="12"/>
+          </p:nvPr>
+        </p:nvSpPr>
+        <p:spPr/>
+        <p:txBody>
+          <a:bodyPr/>
+          <a:lstStyle/>
+          <a:p>
+            <a:fld id="{5E2AC11C-9EA8-4635-A212-19ECE156EFE4}" type="slidenum">
+              <a:rPr lang="en-US" smtClean="0"/>
+              <a:t>‹#›</a:t>
+            </a:fld>
+            <a:endParaRPr lang="en-US"/>
+          </a:p>
+        </p:txBody>
+      </p:sp>
+    </p:spTree>
+    <p:extLst>
+      <p:ext uri="{BB962C8B-B14F-4D97-AF65-F5344CB8AC3E}">
+        <p14:creationId xmlns:p14="http://schemas.microsoft.com/office/powerpoint/2010/main" val="4059634872"/>
+      </p:ext>
+    </p:extLst>
+  </p:cSld>
+  <p:clrMapOvr>
+    <a:masterClrMapping/>
+  </p:clrMapOvr>
+</p:sldLayout>
+</file>
+
+<file path=ppt/slideLayouts/slideLayout18.xml><?xml version="1.0" encoding="utf-8"?>
+<p:sldLayout xmlns:a="http://schemas.openxmlformats.org/drawingml/2006/main" xmlns:r="http://schemas.openxmlformats.org/officeDocument/2006/relationships" xmlns:p="http://schemas.openxmlformats.org/presentationml/2006/main" type="blank" preserve="1">
+  <p:cSld name="Blank">
+    <p:spTree>
+      <p:nvGrpSpPr>
+        <p:cNvPr id="1" name=""/>
+        <p:cNvGrpSpPr/>
+        <p:nvPr/>
+      </p:nvGrpSpPr>
+      <p:grpSpPr>
+        <a:xfrm>
+          <a:off x="0" y="0"/>
+          <a:ext cx="0" cy="0"/>
+          <a:chOff x="0" y="0"/>
+          <a:chExt cx="0" cy="0"/>
+        </a:xfrm>
+      </p:grpSpPr>
+      <p:sp>
+        <p:nvSpPr>
+          <p:cNvPr id="2" name="Date Placeholder 1"/>
+          <p:cNvSpPr>
+            <a:spLocks noGrp="1"/>
+          </p:cNvSpPr>
+          <p:nvPr>
+            <p:ph type="dt" sz="half" idx="10"/>
+          </p:nvPr>
+        </p:nvSpPr>
+        <p:spPr/>
+        <p:txBody>
+          <a:bodyPr/>
+          <a:lstStyle/>
+          <a:p>
+            <a:fld id="{6D69D915-0C95-4E2B-A33E-1C81BBBB360F}" type="datetimeFigureOut">
+              <a:rPr lang="en-US" smtClean="0"/>
+              <a:t>10/22/2023</a:t>
+            </a:fld>
+            <a:endParaRPr lang="en-US"/>
+          </a:p>
+        </p:txBody>
+      </p:sp>
+      <p:sp>
+        <p:nvSpPr>
+          <p:cNvPr id="3" name="Footer Placeholder 2"/>
+          <p:cNvSpPr>
+            <a:spLocks noGrp="1"/>
+          </p:cNvSpPr>
+          <p:nvPr>
+            <p:ph type="ftr" sz="quarter" idx="11"/>
+          </p:nvPr>
+        </p:nvSpPr>
+        <p:spPr/>
+        <p:txBody>
+          <a:bodyPr/>
+          <a:lstStyle/>
+          <a:p>
+            <a:endParaRPr lang="en-US"/>
+          </a:p>
+        </p:txBody>
+      </p:sp>
+      <p:sp>
+        <p:nvSpPr>
+          <p:cNvPr id="4" name="Slide Number Placeholder 3"/>
+          <p:cNvSpPr>
+            <a:spLocks noGrp="1"/>
+          </p:cNvSpPr>
+          <p:nvPr>
+            <p:ph type="sldNum" sz="quarter" idx="12"/>
+          </p:nvPr>
+        </p:nvSpPr>
+        <p:spPr/>
+        <p:txBody>
+          <a:bodyPr/>
+          <a:lstStyle/>
+          <a:p>
+            <a:fld id="{5E2AC11C-9EA8-4635-A212-19ECE156EFE4}" type="slidenum">
+              <a:rPr lang="en-US" smtClean="0"/>
+              <a:t>‹#›</a:t>
+            </a:fld>
+            <a:endParaRPr lang="en-US"/>
+          </a:p>
+        </p:txBody>
+      </p:sp>
+    </p:spTree>
+    <p:extLst>
+      <p:ext uri="{BB962C8B-B14F-4D97-AF65-F5344CB8AC3E}">
+        <p14:creationId xmlns:p14="http://schemas.microsoft.com/office/powerpoint/2010/main" val="3809635998"/>
+      </p:ext>
+    </p:extLst>
+  </p:cSld>
+  <p:clrMapOvr>
+    <a:masterClrMapping/>
+  </p:clrMapOvr>
+</p:sldLayout>
+</file>
+
+<file path=ppt/slideLayouts/slideLayout19.xml><?xml version="1.0" encoding="utf-8"?>
+<p:sldLayout xmlns:a="http://schemas.openxmlformats.org/drawingml/2006/main" xmlns:r="http://schemas.openxmlformats.org/officeDocument/2006/relationships" xmlns:p="http://schemas.openxmlformats.org/presentationml/2006/main" type="objTx" preserve="1">
+  <p:cSld name="Content with Caption">
+    <p:spTree>
+      <p:nvGrpSpPr>
+        <p:cNvPr id="1" name=""/>
+        <p:cNvGrpSpPr/>
+        <p:nvPr/>
+      </p:nvGrpSpPr>
+      <p:grpSpPr>
+        <a:xfrm>
+          <a:off x="0" y="0"/>
+          <a:ext cx="0" cy="0"/>
+          <a:chOff x="0" y="0"/>
+          <a:chExt cx="0" cy="0"/>
+        </a:xfrm>
+      </p:grpSpPr>
+      <p:sp>
+        <p:nvSpPr>
+          <p:cNvPr id="2" name="Title 1"/>
+          <p:cNvSpPr>
+            <a:spLocks noGrp="1"/>
+          </p:cNvSpPr>
+          <p:nvPr>
+            <p:ph type="title"/>
+          </p:nvPr>
+        </p:nvSpPr>
+        <p:spPr>
+          <a:xfrm>
+            <a:off x="1259683" y="685800"/>
+            <a:ext cx="5898356" cy="2400300"/>
+          </a:xfrm>
+        </p:spPr>
+        <p:txBody>
+          <a:bodyPr anchor="b"/>
+          <a:lstStyle>
+            <a:lvl1pPr>
+              <a:defRPr sz="4800"/>
+            </a:lvl1pPr>
+          </a:lstStyle>
+          <a:p>
+            <a:r>
+              <a:rPr lang="en-US"/>
+              <a:t>Click to edit Master title style</a:t>
+            </a:r>
+          </a:p>
+        </p:txBody>
+      </p:sp>
+      <p:sp>
+        <p:nvSpPr>
+          <p:cNvPr id="3" name="Content Placeholder 2"/>
+          <p:cNvSpPr>
+            <a:spLocks noGrp="1"/>
+          </p:cNvSpPr>
+          <p:nvPr>
+            <p:ph idx="1"/>
+          </p:nvPr>
+        </p:nvSpPr>
+        <p:spPr>
+          <a:xfrm>
+            <a:off x="7774782" y="1481138"/>
+            <a:ext cx="9258300" cy="7310438"/>
+          </a:xfrm>
+        </p:spPr>
+        <p:txBody>
+          <a:bodyPr/>
+          <a:lstStyle>
+            <a:lvl1pPr>
+              <a:defRPr sz="4800"/>
+            </a:lvl1pPr>
+            <a:lvl2pPr>
+              <a:defRPr sz="4200"/>
+            </a:lvl2pPr>
+            <a:lvl3pPr>
+              <a:defRPr sz="3600"/>
+            </a:lvl3pPr>
+            <a:lvl4pPr>
+              <a:defRPr sz="3000"/>
+            </a:lvl4pPr>
+            <a:lvl5pPr>
+              <a:defRPr sz="3000"/>
+            </a:lvl5pPr>
+            <a:lvl6pPr>
+              <a:defRPr sz="3000"/>
+            </a:lvl6pPr>
+            <a:lvl7pPr>
+              <a:defRPr sz="3000"/>
+            </a:lvl7pPr>
+            <a:lvl8pPr>
+              <a:defRPr sz="3000"/>
+            </a:lvl8pPr>
+            <a:lvl9pPr>
+              <a:defRPr sz="3000"/>
+            </a:lvl9pPr>
+          </a:lstStyle>
+          <a:p>
+            <a:pPr lvl="0"/>
+            <a:r>
+              <a:rPr lang="en-US"/>
+              <a:t>Edit Master text styles</a:t>
+            </a:r>
+          </a:p>
+          <a:p>
+            <a:pPr lvl="1"/>
+            <a:r>
+              <a:rPr lang="en-US"/>
+              <a:t>Second level</a:t>
+            </a:r>
+          </a:p>
+          <a:p>
+            <a:pPr lvl="2"/>
+            <a:r>
+              <a:rPr lang="en-US"/>
+              <a:t>Third level</a:t>
+            </a:r>
+          </a:p>
+          <a:p>
+            <a:pPr lvl="3"/>
+            <a:r>
+              <a:rPr lang="en-US"/>
+              <a:t>Fourth level</a:t>
+            </a:r>
+          </a:p>
+          <a:p>
+            <a:pPr lvl="4"/>
+            <a:r>
+              <a:rPr lang="en-US"/>
+              <a:t>Fifth level</a:t>
+            </a:r>
+          </a:p>
+        </p:txBody>
+      </p:sp>
+      <p:sp>
+        <p:nvSpPr>
+          <p:cNvPr id="4" name="Text Placeholder 3"/>
+          <p:cNvSpPr>
+            <a:spLocks noGrp="1"/>
+          </p:cNvSpPr>
+          <p:nvPr>
+            <p:ph type="body" sz="half" idx="2"/>
+          </p:nvPr>
+        </p:nvSpPr>
+        <p:spPr>
+          <a:xfrm>
+            <a:off x="1259683" y="3086100"/>
+            <a:ext cx="5898356" cy="5717382"/>
+          </a:xfrm>
+        </p:spPr>
+        <p:txBody>
+          <a:bodyPr/>
+          <a:lstStyle>
+            <a:lvl1pPr marL="0" indent="0">
+              <a:buNone/>
+              <a:defRPr sz="2400"/>
+            </a:lvl1pPr>
+            <a:lvl2pPr marL="685800" indent="0">
+              <a:buNone/>
+              <a:defRPr sz="2100"/>
+            </a:lvl2pPr>
+            <a:lvl3pPr marL="1371600" indent="0">
+              <a:buNone/>
+              <a:defRPr sz="1800"/>
+            </a:lvl3pPr>
+            <a:lvl4pPr marL="2057400" indent="0">
+              <a:buNone/>
+              <a:defRPr sz="1500"/>
+            </a:lvl4pPr>
+            <a:lvl5pPr marL="2743200" indent="0">
+              <a:buNone/>
+              <a:defRPr sz="1500"/>
+            </a:lvl5pPr>
+            <a:lvl6pPr marL="3429000" indent="0">
+              <a:buNone/>
+              <a:defRPr sz="1500"/>
+            </a:lvl6pPr>
+            <a:lvl7pPr marL="4114800" indent="0">
+              <a:buNone/>
+              <a:defRPr sz="1500"/>
+            </a:lvl7pPr>
+            <a:lvl8pPr marL="4800600" indent="0">
+              <a:buNone/>
+              <a:defRPr sz="1500"/>
+            </a:lvl8pPr>
+            <a:lvl9pPr marL="5486400" indent="0">
+              <a:buNone/>
+              <a:defRPr sz="1500"/>
+            </a:lvl9pPr>
+          </a:lstStyle>
+          <a:p>
+            <a:pPr lvl="0"/>
+            <a:r>
+              <a:rPr lang="en-US"/>
+              <a:t>Edit Master text styles</a:t>
+            </a:r>
+          </a:p>
+        </p:txBody>
+      </p:sp>
+      <p:sp>
+        <p:nvSpPr>
+          <p:cNvPr id="5" name="Date Placeholder 4"/>
+          <p:cNvSpPr>
+            <a:spLocks noGrp="1"/>
+          </p:cNvSpPr>
+          <p:nvPr>
+            <p:ph type="dt" sz="half" idx="10"/>
+          </p:nvPr>
+        </p:nvSpPr>
+        <p:spPr/>
+        <p:txBody>
+          <a:bodyPr/>
+          <a:lstStyle/>
+          <a:p>
+            <a:fld id="{6D69D915-0C95-4E2B-A33E-1C81BBBB360F}" type="datetimeFigureOut">
+              <a:rPr lang="en-US" smtClean="0"/>
+              <a:t>10/22/2023</a:t>
+            </a:fld>
+            <a:endParaRPr lang="en-US"/>
+          </a:p>
+        </p:txBody>
+      </p:sp>
+      <p:sp>
+        <p:nvSpPr>
+          <p:cNvPr id="6" name="Footer Placeholder 5"/>
+          <p:cNvSpPr>
+            <a:spLocks noGrp="1"/>
+          </p:cNvSpPr>
+          <p:nvPr>
+            <p:ph type="ftr" sz="quarter" idx="11"/>
+          </p:nvPr>
+        </p:nvSpPr>
+        <p:spPr/>
+        <p:txBody>
+          <a:bodyPr/>
+          <a:lstStyle/>
+          <a:p>
+            <a:endParaRPr lang="en-US"/>
+          </a:p>
+        </p:txBody>
+      </p:sp>
+      <p:sp>
+        <p:nvSpPr>
+          <p:cNvPr id="7" name="Slide Number Placeholder 6"/>
+          <p:cNvSpPr>
+            <a:spLocks noGrp="1"/>
+          </p:cNvSpPr>
+          <p:nvPr>
+            <p:ph type="sldNum" sz="quarter" idx="12"/>
+          </p:nvPr>
+        </p:nvSpPr>
+        <p:spPr/>
+        <p:txBody>
+          <a:bodyPr/>
+          <a:lstStyle/>
+          <a:p>
+            <a:fld id="{5E2AC11C-9EA8-4635-A212-19ECE156EFE4}" type="slidenum">
+              <a:rPr lang="en-US" smtClean="0"/>
+              <a:t>‹#›</a:t>
+            </a:fld>
+            <a:endParaRPr lang="en-US"/>
+          </a:p>
+        </p:txBody>
+      </p:sp>
+    </p:spTree>
+    <p:extLst>
+      <p:ext uri="{BB962C8B-B14F-4D97-AF65-F5344CB8AC3E}">
+        <p14:creationId xmlns:p14="http://schemas.microsoft.com/office/powerpoint/2010/main" val="3876838758"/>
+      </p:ext>
+    </p:extLst>
   </p:cSld>
   <p:clrMapOvr>
     <a:masterClrMapping/>
@@ -825,7 +2579,7 @@
             <a:fld id="{1D8BD707-D9CF-40AE-B4C6-C98DA3205C09}" type="datetimeFigureOut">
               <a:rPr lang="en-US" smtClean="0"/>
               <a:pPr/>
-              <a:t>8/24/2023</a:t>
+              <a:t>10/24/2023</a:t>
             </a:fld>
             <a:endParaRPr lang="en-US"/>
           </a:p>
@@ -875,6 +2629,604 @@
         </p:txBody>
       </p:sp>
     </p:spTree>
+  </p:cSld>
+  <p:clrMapOvr>
+    <a:masterClrMapping/>
+  </p:clrMapOvr>
+</p:sldLayout>
+</file>
+
+<file path=ppt/slideLayouts/slideLayout20.xml><?xml version="1.0" encoding="utf-8"?>
+<p:sldLayout xmlns:a="http://schemas.openxmlformats.org/drawingml/2006/main" xmlns:r="http://schemas.openxmlformats.org/officeDocument/2006/relationships" xmlns:p="http://schemas.openxmlformats.org/presentationml/2006/main" type="picTx" preserve="1">
+  <p:cSld name="Picture with Caption">
+    <p:spTree>
+      <p:nvGrpSpPr>
+        <p:cNvPr id="1" name=""/>
+        <p:cNvGrpSpPr/>
+        <p:nvPr/>
+      </p:nvGrpSpPr>
+      <p:grpSpPr>
+        <a:xfrm>
+          <a:off x="0" y="0"/>
+          <a:ext cx="0" cy="0"/>
+          <a:chOff x="0" y="0"/>
+          <a:chExt cx="0" cy="0"/>
+        </a:xfrm>
+      </p:grpSpPr>
+      <p:sp>
+        <p:nvSpPr>
+          <p:cNvPr id="2" name="Title 1"/>
+          <p:cNvSpPr>
+            <a:spLocks noGrp="1"/>
+          </p:cNvSpPr>
+          <p:nvPr>
+            <p:ph type="title"/>
+          </p:nvPr>
+        </p:nvSpPr>
+        <p:spPr>
+          <a:xfrm>
+            <a:off x="1259683" y="685800"/>
+            <a:ext cx="5898356" cy="2400300"/>
+          </a:xfrm>
+        </p:spPr>
+        <p:txBody>
+          <a:bodyPr anchor="b"/>
+          <a:lstStyle>
+            <a:lvl1pPr>
+              <a:defRPr sz="4800"/>
+            </a:lvl1pPr>
+          </a:lstStyle>
+          <a:p>
+            <a:r>
+              <a:rPr lang="en-US"/>
+              <a:t>Click to edit Master title style</a:t>
+            </a:r>
+          </a:p>
+        </p:txBody>
+      </p:sp>
+      <p:sp>
+        <p:nvSpPr>
+          <p:cNvPr id="3" name="Picture Placeholder 2"/>
+          <p:cNvSpPr>
+            <a:spLocks noGrp="1"/>
+          </p:cNvSpPr>
+          <p:nvPr>
+            <p:ph type="pic" idx="1"/>
+          </p:nvPr>
+        </p:nvSpPr>
+        <p:spPr>
+          <a:xfrm>
+            <a:off x="7774782" y="1481138"/>
+            <a:ext cx="9258300" cy="7310438"/>
+          </a:xfrm>
+        </p:spPr>
+        <p:txBody>
+          <a:bodyPr/>
+          <a:lstStyle>
+            <a:lvl1pPr marL="0" indent="0">
+              <a:buNone/>
+              <a:defRPr sz="4800"/>
+            </a:lvl1pPr>
+            <a:lvl2pPr marL="685800" indent="0">
+              <a:buNone/>
+              <a:defRPr sz="4200"/>
+            </a:lvl2pPr>
+            <a:lvl3pPr marL="1371600" indent="0">
+              <a:buNone/>
+              <a:defRPr sz="3600"/>
+            </a:lvl3pPr>
+            <a:lvl4pPr marL="2057400" indent="0">
+              <a:buNone/>
+              <a:defRPr sz="3000"/>
+            </a:lvl4pPr>
+            <a:lvl5pPr marL="2743200" indent="0">
+              <a:buNone/>
+              <a:defRPr sz="3000"/>
+            </a:lvl5pPr>
+            <a:lvl6pPr marL="3429000" indent="0">
+              <a:buNone/>
+              <a:defRPr sz="3000"/>
+            </a:lvl6pPr>
+            <a:lvl7pPr marL="4114800" indent="0">
+              <a:buNone/>
+              <a:defRPr sz="3000"/>
+            </a:lvl7pPr>
+            <a:lvl8pPr marL="4800600" indent="0">
+              <a:buNone/>
+              <a:defRPr sz="3000"/>
+            </a:lvl8pPr>
+            <a:lvl9pPr marL="5486400" indent="0">
+              <a:buNone/>
+              <a:defRPr sz="3000"/>
+            </a:lvl9pPr>
+          </a:lstStyle>
+          <a:p>
+            <a:endParaRPr lang="en-US"/>
+          </a:p>
+        </p:txBody>
+      </p:sp>
+      <p:sp>
+        <p:nvSpPr>
+          <p:cNvPr id="4" name="Text Placeholder 3"/>
+          <p:cNvSpPr>
+            <a:spLocks noGrp="1"/>
+          </p:cNvSpPr>
+          <p:nvPr>
+            <p:ph type="body" sz="half" idx="2"/>
+          </p:nvPr>
+        </p:nvSpPr>
+        <p:spPr>
+          <a:xfrm>
+            <a:off x="1259683" y="3086100"/>
+            <a:ext cx="5898356" cy="5717382"/>
+          </a:xfrm>
+        </p:spPr>
+        <p:txBody>
+          <a:bodyPr/>
+          <a:lstStyle>
+            <a:lvl1pPr marL="0" indent="0">
+              <a:buNone/>
+              <a:defRPr sz="2400"/>
+            </a:lvl1pPr>
+            <a:lvl2pPr marL="685800" indent="0">
+              <a:buNone/>
+              <a:defRPr sz="2100"/>
+            </a:lvl2pPr>
+            <a:lvl3pPr marL="1371600" indent="0">
+              <a:buNone/>
+              <a:defRPr sz="1800"/>
+            </a:lvl3pPr>
+            <a:lvl4pPr marL="2057400" indent="0">
+              <a:buNone/>
+              <a:defRPr sz="1500"/>
+            </a:lvl4pPr>
+            <a:lvl5pPr marL="2743200" indent="0">
+              <a:buNone/>
+              <a:defRPr sz="1500"/>
+            </a:lvl5pPr>
+            <a:lvl6pPr marL="3429000" indent="0">
+              <a:buNone/>
+              <a:defRPr sz="1500"/>
+            </a:lvl6pPr>
+            <a:lvl7pPr marL="4114800" indent="0">
+              <a:buNone/>
+              <a:defRPr sz="1500"/>
+            </a:lvl7pPr>
+            <a:lvl8pPr marL="4800600" indent="0">
+              <a:buNone/>
+              <a:defRPr sz="1500"/>
+            </a:lvl8pPr>
+            <a:lvl9pPr marL="5486400" indent="0">
+              <a:buNone/>
+              <a:defRPr sz="1500"/>
+            </a:lvl9pPr>
+          </a:lstStyle>
+          <a:p>
+            <a:pPr lvl="0"/>
+            <a:r>
+              <a:rPr lang="en-US"/>
+              <a:t>Edit Master text styles</a:t>
+            </a:r>
+          </a:p>
+        </p:txBody>
+      </p:sp>
+      <p:sp>
+        <p:nvSpPr>
+          <p:cNvPr id="5" name="Date Placeholder 4"/>
+          <p:cNvSpPr>
+            <a:spLocks noGrp="1"/>
+          </p:cNvSpPr>
+          <p:nvPr>
+            <p:ph type="dt" sz="half" idx="10"/>
+          </p:nvPr>
+        </p:nvSpPr>
+        <p:spPr/>
+        <p:txBody>
+          <a:bodyPr/>
+          <a:lstStyle/>
+          <a:p>
+            <a:fld id="{6D69D915-0C95-4E2B-A33E-1C81BBBB360F}" type="datetimeFigureOut">
+              <a:rPr lang="en-US" smtClean="0"/>
+              <a:t>10/22/2023</a:t>
+            </a:fld>
+            <a:endParaRPr lang="en-US"/>
+          </a:p>
+        </p:txBody>
+      </p:sp>
+      <p:sp>
+        <p:nvSpPr>
+          <p:cNvPr id="6" name="Footer Placeholder 5"/>
+          <p:cNvSpPr>
+            <a:spLocks noGrp="1"/>
+          </p:cNvSpPr>
+          <p:nvPr>
+            <p:ph type="ftr" sz="quarter" idx="11"/>
+          </p:nvPr>
+        </p:nvSpPr>
+        <p:spPr/>
+        <p:txBody>
+          <a:bodyPr/>
+          <a:lstStyle/>
+          <a:p>
+            <a:endParaRPr lang="en-US"/>
+          </a:p>
+        </p:txBody>
+      </p:sp>
+      <p:sp>
+        <p:nvSpPr>
+          <p:cNvPr id="7" name="Slide Number Placeholder 6"/>
+          <p:cNvSpPr>
+            <a:spLocks noGrp="1"/>
+          </p:cNvSpPr>
+          <p:nvPr>
+            <p:ph type="sldNum" sz="quarter" idx="12"/>
+          </p:nvPr>
+        </p:nvSpPr>
+        <p:spPr/>
+        <p:txBody>
+          <a:bodyPr/>
+          <a:lstStyle/>
+          <a:p>
+            <a:fld id="{5E2AC11C-9EA8-4635-A212-19ECE156EFE4}" type="slidenum">
+              <a:rPr lang="en-US" smtClean="0"/>
+              <a:t>‹#›</a:t>
+            </a:fld>
+            <a:endParaRPr lang="en-US"/>
+          </a:p>
+        </p:txBody>
+      </p:sp>
+    </p:spTree>
+    <p:extLst>
+      <p:ext uri="{BB962C8B-B14F-4D97-AF65-F5344CB8AC3E}">
+        <p14:creationId xmlns:p14="http://schemas.microsoft.com/office/powerpoint/2010/main" val="87380730"/>
+      </p:ext>
+    </p:extLst>
+  </p:cSld>
+  <p:clrMapOvr>
+    <a:masterClrMapping/>
+  </p:clrMapOvr>
+</p:sldLayout>
+</file>
+
+<file path=ppt/slideLayouts/slideLayout21.xml><?xml version="1.0" encoding="utf-8"?>
+<p:sldLayout xmlns:a="http://schemas.openxmlformats.org/drawingml/2006/main" xmlns:r="http://schemas.openxmlformats.org/officeDocument/2006/relationships" xmlns:p="http://schemas.openxmlformats.org/presentationml/2006/main" type="vertTx" preserve="1">
+  <p:cSld name="Title and Vertical Text">
+    <p:spTree>
+      <p:nvGrpSpPr>
+        <p:cNvPr id="1" name=""/>
+        <p:cNvGrpSpPr/>
+        <p:nvPr/>
+      </p:nvGrpSpPr>
+      <p:grpSpPr>
+        <a:xfrm>
+          <a:off x="0" y="0"/>
+          <a:ext cx="0" cy="0"/>
+          <a:chOff x="0" y="0"/>
+          <a:chExt cx="0" cy="0"/>
+        </a:xfrm>
+      </p:grpSpPr>
+      <p:sp>
+        <p:nvSpPr>
+          <p:cNvPr id="2" name="Title 1"/>
+          <p:cNvSpPr>
+            <a:spLocks noGrp="1"/>
+          </p:cNvSpPr>
+          <p:nvPr>
+            <p:ph type="title"/>
+          </p:nvPr>
+        </p:nvSpPr>
+        <p:spPr/>
+        <p:txBody>
+          <a:bodyPr/>
+          <a:lstStyle/>
+          <a:p>
+            <a:r>
+              <a:rPr lang="en-US"/>
+              <a:t>Click to edit Master title style</a:t>
+            </a:r>
+          </a:p>
+        </p:txBody>
+      </p:sp>
+      <p:sp>
+        <p:nvSpPr>
+          <p:cNvPr id="3" name="Vertical Text Placeholder 2"/>
+          <p:cNvSpPr>
+            <a:spLocks noGrp="1"/>
+          </p:cNvSpPr>
+          <p:nvPr>
+            <p:ph type="body" orient="vert" idx="1"/>
+          </p:nvPr>
+        </p:nvSpPr>
+        <p:spPr/>
+        <p:txBody>
+          <a:bodyPr vert="eaVert"/>
+          <a:lstStyle/>
+          <a:p>
+            <a:pPr lvl="0"/>
+            <a:r>
+              <a:rPr lang="en-US"/>
+              <a:t>Edit Master text styles</a:t>
+            </a:r>
+          </a:p>
+          <a:p>
+            <a:pPr lvl="1"/>
+            <a:r>
+              <a:rPr lang="en-US"/>
+              <a:t>Second level</a:t>
+            </a:r>
+          </a:p>
+          <a:p>
+            <a:pPr lvl="2"/>
+            <a:r>
+              <a:rPr lang="en-US"/>
+              <a:t>Third level</a:t>
+            </a:r>
+          </a:p>
+          <a:p>
+            <a:pPr lvl="3"/>
+            <a:r>
+              <a:rPr lang="en-US"/>
+              <a:t>Fourth level</a:t>
+            </a:r>
+          </a:p>
+          <a:p>
+            <a:pPr lvl="4"/>
+            <a:r>
+              <a:rPr lang="en-US"/>
+              <a:t>Fifth level</a:t>
+            </a:r>
+          </a:p>
+        </p:txBody>
+      </p:sp>
+      <p:sp>
+        <p:nvSpPr>
+          <p:cNvPr id="4" name="Date Placeholder 3"/>
+          <p:cNvSpPr>
+            <a:spLocks noGrp="1"/>
+          </p:cNvSpPr>
+          <p:nvPr>
+            <p:ph type="dt" sz="half" idx="10"/>
+          </p:nvPr>
+        </p:nvSpPr>
+        <p:spPr/>
+        <p:txBody>
+          <a:bodyPr/>
+          <a:lstStyle/>
+          <a:p>
+            <a:fld id="{6D69D915-0C95-4E2B-A33E-1C81BBBB360F}" type="datetimeFigureOut">
+              <a:rPr lang="en-US" smtClean="0"/>
+              <a:t>10/22/2023</a:t>
+            </a:fld>
+            <a:endParaRPr lang="en-US"/>
+          </a:p>
+        </p:txBody>
+      </p:sp>
+      <p:sp>
+        <p:nvSpPr>
+          <p:cNvPr id="5" name="Footer Placeholder 4"/>
+          <p:cNvSpPr>
+            <a:spLocks noGrp="1"/>
+          </p:cNvSpPr>
+          <p:nvPr>
+            <p:ph type="ftr" sz="quarter" idx="11"/>
+          </p:nvPr>
+        </p:nvSpPr>
+        <p:spPr/>
+        <p:txBody>
+          <a:bodyPr/>
+          <a:lstStyle/>
+          <a:p>
+            <a:endParaRPr lang="en-US"/>
+          </a:p>
+        </p:txBody>
+      </p:sp>
+      <p:sp>
+        <p:nvSpPr>
+          <p:cNvPr id="6" name="Slide Number Placeholder 5"/>
+          <p:cNvSpPr>
+            <a:spLocks noGrp="1"/>
+          </p:cNvSpPr>
+          <p:nvPr>
+            <p:ph type="sldNum" sz="quarter" idx="12"/>
+          </p:nvPr>
+        </p:nvSpPr>
+        <p:spPr/>
+        <p:txBody>
+          <a:bodyPr/>
+          <a:lstStyle/>
+          <a:p>
+            <a:fld id="{5E2AC11C-9EA8-4635-A212-19ECE156EFE4}" type="slidenum">
+              <a:rPr lang="en-US" smtClean="0"/>
+              <a:t>‹#›</a:t>
+            </a:fld>
+            <a:endParaRPr lang="en-US"/>
+          </a:p>
+        </p:txBody>
+      </p:sp>
+    </p:spTree>
+    <p:extLst>
+      <p:ext uri="{BB962C8B-B14F-4D97-AF65-F5344CB8AC3E}">
+        <p14:creationId xmlns:p14="http://schemas.microsoft.com/office/powerpoint/2010/main" val="2077812032"/>
+      </p:ext>
+    </p:extLst>
+  </p:cSld>
+  <p:clrMapOvr>
+    <a:masterClrMapping/>
+  </p:clrMapOvr>
+</p:sldLayout>
+</file>
+
+<file path=ppt/slideLayouts/slideLayout22.xml><?xml version="1.0" encoding="utf-8"?>
+<p:sldLayout xmlns:a="http://schemas.openxmlformats.org/drawingml/2006/main" xmlns:r="http://schemas.openxmlformats.org/officeDocument/2006/relationships" xmlns:p="http://schemas.openxmlformats.org/presentationml/2006/main" type="vertTitleAndTx" preserve="1">
+  <p:cSld name="Vertical Title and Text">
+    <p:spTree>
+      <p:nvGrpSpPr>
+        <p:cNvPr id="1" name=""/>
+        <p:cNvGrpSpPr/>
+        <p:nvPr/>
+      </p:nvGrpSpPr>
+      <p:grpSpPr>
+        <a:xfrm>
+          <a:off x="0" y="0"/>
+          <a:ext cx="0" cy="0"/>
+          <a:chOff x="0" y="0"/>
+          <a:chExt cx="0" cy="0"/>
+        </a:xfrm>
+      </p:grpSpPr>
+      <p:sp>
+        <p:nvSpPr>
+          <p:cNvPr id="2" name="Vertical Title 1"/>
+          <p:cNvSpPr>
+            <a:spLocks noGrp="1"/>
+          </p:cNvSpPr>
+          <p:nvPr>
+            <p:ph type="title" orient="vert"/>
+          </p:nvPr>
+        </p:nvSpPr>
+        <p:spPr>
+          <a:xfrm>
+            <a:off x="13087350" y="547688"/>
+            <a:ext cx="3943350" cy="8717757"/>
+          </a:xfrm>
+        </p:spPr>
+        <p:txBody>
+          <a:bodyPr vert="eaVert"/>
+          <a:lstStyle/>
+          <a:p>
+            <a:r>
+              <a:rPr lang="en-US"/>
+              <a:t>Click to edit Master title style</a:t>
+            </a:r>
+          </a:p>
+        </p:txBody>
+      </p:sp>
+      <p:sp>
+        <p:nvSpPr>
+          <p:cNvPr id="3" name="Vertical Text Placeholder 2"/>
+          <p:cNvSpPr>
+            <a:spLocks noGrp="1"/>
+          </p:cNvSpPr>
+          <p:nvPr>
+            <p:ph type="body" orient="vert" idx="1"/>
+          </p:nvPr>
+        </p:nvSpPr>
+        <p:spPr>
+          <a:xfrm>
+            <a:off x="1257300" y="547688"/>
+            <a:ext cx="11601450" cy="8717757"/>
+          </a:xfrm>
+        </p:spPr>
+        <p:txBody>
+          <a:bodyPr vert="eaVert"/>
+          <a:lstStyle/>
+          <a:p>
+            <a:pPr lvl="0"/>
+            <a:r>
+              <a:rPr lang="en-US"/>
+              <a:t>Edit Master text styles</a:t>
+            </a:r>
+          </a:p>
+          <a:p>
+            <a:pPr lvl="1"/>
+            <a:r>
+              <a:rPr lang="en-US"/>
+              <a:t>Second level</a:t>
+            </a:r>
+          </a:p>
+          <a:p>
+            <a:pPr lvl="2"/>
+            <a:r>
+              <a:rPr lang="en-US"/>
+              <a:t>Third level</a:t>
+            </a:r>
+          </a:p>
+          <a:p>
+            <a:pPr lvl="3"/>
+            <a:r>
+              <a:rPr lang="en-US"/>
+              <a:t>Fourth level</a:t>
+            </a:r>
+          </a:p>
+          <a:p>
+            <a:pPr lvl="4"/>
+            <a:r>
+              <a:rPr lang="en-US"/>
+              <a:t>Fifth level</a:t>
+            </a:r>
+          </a:p>
+        </p:txBody>
+      </p:sp>
+      <p:sp>
+        <p:nvSpPr>
+          <p:cNvPr id="4" name="Date Placeholder 3"/>
+          <p:cNvSpPr>
+            <a:spLocks noGrp="1"/>
+          </p:cNvSpPr>
+          <p:nvPr>
+            <p:ph type="dt" sz="half" idx="10"/>
+          </p:nvPr>
+        </p:nvSpPr>
+        <p:spPr/>
+        <p:txBody>
+          <a:bodyPr/>
+          <a:lstStyle/>
+          <a:p>
+            <a:fld id="{6D69D915-0C95-4E2B-A33E-1C81BBBB360F}" type="datetimeFigureOut">
+              <a:rPr lang="en-US" smtClean="0"/>
+              <a:t>10/22/2023</a:t>
+            </a:fld>
+            <a:endParaRPr lang="en-US"/>
+          </a:p>
+        </p:txBody>
+      </p:sp>
+      <p:sp>
+        <p:nvSpPr>
+          <p:cNvPr id="5" name="Footer Placeholder 4"/>
+          <p:cNvSpPr>
+            <a:spLocks noGrp="1"/>
+          </p:cNvSpPr>
+          <p:nvPr>
+            <p:ph type="ftr" sz="quarter" idx="11"/>
+          </p:nvPr>
+        </p:nvSpPr>
+        <p:spPr/>
+        <p:txBody>
+          <a:bodyPr/>
+          <a:lstStyle/>
+          <a:p>
+            <a:endParaRPr lang="en-US"/>
+          </a:p>
+        </p:txBody>
+      </p:sp>
+      <p:sp>
+        <p:nvSpPr>
+          <p:cNvPr id="6" name="Slide Number Placeholder 5"/>
+          <p:cNvSpPr>
+            <a:spLocks noGrp="1"/>
+          </p:cNvSpPr>
+          <p:nvPr>
+            <p:ph type="sldNum" sz="quarter" idx="12"/>
+          </p:nvPr>
+        </p:nvSpPr>
+        <p:spPr/>
+        <p:txBody>
+          <a:bodyPr/>
+          <a:lstStyle/>
+          <a:p>
+            <a:fld id="{5E2AC11C-9EA8-4635-A212-19ECE156EFE4}" type="slidenum">
+              <a:rPr lang="en-US" smtClean="0"/>
+              <a:t>‹#›</a:t>
+            </a:fld>
+            <a:endParaRPr lang="en-US"/>
+          </a:p>
+        </p:txBody>
+      </p:sp>
+    </p:spTree>
+    <p:extLst>
+      <p:ext uri="{BB962C8B-B14F-4D97-AF65-F5344CB8AC3E}">
+        <p14:creationId xmlns:p14="http://schemas.microsoft.com/office/powerpoint/2010/main" val="1491545160"/>
+      </p:ext>
+    </p:extLst>
   </p:cSld>
   <p:clrMapOvr>
     <a:masterClrMapping/>
@@ -1067,7 +3419,7 @@
             <a:fld id="{1D8BD707-D9CF-40AE-B4C6-C98DA3205C09}" type="datetimeFigureOut">
               <a:rPr lang="en-US" smtClean="0"/>
               <a:pPr/>
-              <a:t>8/24/2023</a:t>
+              <a:t>10/24/2023</a:t>
             </a:fld>
             <a:endParaRPr lang="en-US"/>
           </a:p>
@@ -1349,7 +3701,7 @@
             <a:fld id="{1D8BD707-D9CF-40AE-B4C6-C98DA3205C09}" type="datetimeFigureOut">
               <a:rPr lang="en-US" smtClean="0"/>
               <a:pPr/>
-              <a:t>8/24/2023</a:t>
+              <a:t>10/24/2023</a:t>
             </a:fld>
             <a:endParaRPr lang="en-US"/>
           </a:p>
@@ -1765,7 +4117,7 @@
             <a:fld id="{1D8BD707-D9CF-40AE-B4C6-C98DA3205C09}" type="datetimeFigureOut">
               <a:rPr lang="en-US" smtClean="0"/>
               <a:pPr/>
-              <a:t>8/24/2023</a:t>
+              <a:t>10/24/2023</a:t>
             </a:fld>
             <a:endParaRPr lang="en-US"/>
           </a:p>
@@ -1879,7 +4231,7 @@
             <a:fld id="{1D8BD707-D9CF-40AE-B4C6-C98DA3205C09}" type="datetimeFigureOut">
               <a:rPr lang="en-US" smtClean="0"/>
               <a:pPr/>
-              <a:t>8/24/2023</a:t>
+              <a:t>10/24/2023</a:t>
             </a:fld>
             <a:endParaRPr lang="en-US"/>
           </a:p>
@@ -1971,7 +4323,7 @@
             <a:fld id="{1D8BD707-D9CF-40AE-B4C6-C98DA3205C09}" type="datetimeFigureOut">
               <a:rPr lang="en-US" smtClean="0"/>
               <a:pPr/>
-              <a:t>8/24/2023</a:t>
+              <a:t>10/24/2023</a:t>
             </a:fld>
             <a:endParaRPr lang="en-US"/>
           </a:p>
@@ -2243,7 +4595,7 @@
             <a:fld id="{1D8BD707-D9CF-40AE-B4C6-C98DA3205C09}" type="datetimeFigureOut">
               <a:rPr lang="en-US" smtClean="0"/>
               <a:pPr/>
-              <a:t>8/24/2023</a:t>
+              <a:t>10/24/2023</a:t>
             </a:fld>
             <a:endParaRPr lang="en-US"/>
           </a:p>
@@ -2492,7 +4844,7 @@
             <a:fld id="{1D8BD707-D9CF-40AE-B4C6-C98DA3205C09}" type="datetimeFigureOut">
               <a:rPr lang="en-US" smtClean="0"/>
               <a:pPr/>
-              <a:t>8/24/2023</a:t>
+              <a:t>10/24/2023</a:t>
             </a:fld>
             <a:endParaRPr lang="en-US"/>
           </a:p>
@@ -2700,7 +5052,7 @@
             <a:fld id="{1D8BD707-D9CF-40AE-B4C6-C98DA3205C09}" type="datetimeFigureOut">
               <a:rPr lang="en-US" smtClean="0"/>
               <a:pPr/>
-              <a:t>8/24/2023</a:t>
+              <a:t>10/24/2023</a:t>
             </a:fld>
             <a:endParaRPr lang="en-US"/>
           </a:p>
@@ -3054,6 +5406,544 @@
 </p:sldMaster>
 </file>
 
+<file path=ppt/slideMasters/slideMaster2.xml><?xml version="1.0" encoding="utf-8"?>
+<p:sldMaster xmlns:a="http://schemas.openxmlformats.org/drawingml/2006/main" xmlns:r="http://schemas.openxmlformats.org/officeDocument/2006/relationships" xmlns:p="http://schemas.openxmlformats.org/presentationml/2006/main">
+  <p:cSld>
+    <p:bg>
+      <p:bgRef idx="1001">
+        <a:schemeClr val="bg1"/>
+      </p:bgRef>
+    </p:bg>
+    <p:spTree>
+      <p:nvGrpSpPr>
+        <p:cNvPr id="1" name=""/>
+        <p:cNvGrpSpPr/>
+        <p:nvPr/>
+      </p:nvGrpSpPr>
+      <p:grpSpPr>
+        <a:xfrm>
+          <a:off x="0" y="0"/>
+          <a:ext cx="0" cy="0"/>
+          <a:chOff x="0" y="0"/>
+          <a:chExt cx="0" cy="0"/>
+        </a:xfrm>
+      </p:grpSpPr>
+      <p:sp>
+        <p:nvSpPr>
+          <p:cNvPr id="2" name="Title Placeholder 1"/>
+          <p:cNvSpPr>
+            <a:spLocks noGrp="1"/>
+          </p:cNvSpPr>
+          <p:nvPr>
+            <p:ph type="title"/>
+          </p:nvPr>
+        </p:nvSpPr>
+        <p:spPr>
+          <a:xfrm>
+            <a:off x="1257300" y="547688"/>
+            <a:ext cx="15773400" cy="1988345"/>
+          </a:xfrm>
+          <a:prstGeom prst="rect">
+            <a:avLst/>
+          </a:prstGeom>
+        </p:spPr>
+        <p:txBody>
+          <a:bodyPr vert="horz" lIns="91440" tIns="45720" rIns="91440" bIns="45720" rtlCol="0" anchor="ctr">
+            <a:normAutofit/>
+          </a:bodyPr>
+          <a:lstStyle/>
+          <a:p>
+            <a:r>
+              <a:rPr lang="en-US"/>
+              <a:t>Click to edit Master title style</a:t>
+            </a:r>
+          </a:p>
+        </p:txBody>
+      </p:sp>
+      <p:sp>
+        <p:nvSpPr>
+          <p:cNvPr id="3" name="Text Placeholder 2"/>
+          <p:cNvSpPr>
+            <a:spLocks noGrp="1"/>
+          </p:cNvSpPr>
+          <p:nvPr>
+            <p:ph type="body" idx="1"/>
+          </p:nvPr>
+        </p:nvSpPr>
+        <p:spPr>
+          <a:xfrm>
+            <a:off x="1257300" y="2738438"/>
+            <a:ext cx="15773400" cy="6527007"/>
+          </a:xfrm>
+          <a:prstGeom prst="rect">
+            <a:avLst/>
+          </a:prstGeom>
+        </p:spPr>
+        <p:txBody>
+          <a:bodyPr vert="horz" lIns="91440" tIns="45720" rIns="91440" bIns="45720" rtlCol="0">
+            <a:normAutofit/>
+          </a:bodyPr>
+          <a:lstStyle/>
+          <a:p>
+            <a:pPr lvl="0"/>
+            <a:r>
+              <a:rPr lang="en-US"/>
+              <a:t>Edit Master text styles</a:t>
+            </a:r>
+          </a:p>
+          <a:p>
+            <a:pPr lvl="1"/>
+            <a:r>
+              <a:rPr lang="en-US"/>
+              <a:t>Second level</a:t>
+            </a:r>
+          </a:p>
+          <a:p>
+            <a:pPr lvl="2"/>
+            <a:r>
+              <a:rPr lang="en-US"/>
+              <a:t>Third level</a:t>
+            </a:r>
+          </a:p>
+          <a:p>
+            <a:pPr lvl="3"/>
+            <a:r>
+              <a:rPr lang="en-US"/>
+              <a:t>Fourth level</a:t>
+            </a:r>
+          </a:p>
+          <a:p>
+            <a:pPr lvl="4"/>
+            <a:r>
+              <a:rPr lang="en-US"/>
+              <a:t>Fifth level</a:t>
+            </a:r>
+          </a:p>
+        </p:txBody>
+      </p:sp>
+      <p:sp>
+        <p:nvSpPr>
+          <p:cNvPr id="4" name="Date Placeholder 3"/>
+          <p:cNvSpPr>
+            <a:spLocks noGrp="1"/>
+          </p:cNvSpPr>
+          <p:nvPr>
+            <p:ph type="dt" sz="half" idx="2"/>
+          </p:nvPr>
+        </p:nvSpPr>
+        <p:spPr>
+          <a:xfrm>
+            <a:off x="1257300" y="9534526"/>
+            <a:ext cx="4114800" cy="547688"/>
+          </a:xfrm>
+          <a:prstGeom prst="rect">
+            <a:avLst/>
+          </a:prstGeom>
+        </p:spPr>
+        <p:txBody>
+          <a:bodyPr vert="horz" lIns="91440" tIns="45720" rIns="91440" bIns="45720" rtlCol="0" anchor="ctr"/>
+          <a:lstStyle>
+            <a:lvl1pPr algn="l">
+              <a:defRPr sz="1800">
+                <a:solidFill>
+                  <a:schemeClr val="tx1">
+                    <a:tint val="75000"/>
+                  </a:schemeClr>
+                </a:solidFill>
+              </a:defRPr>
+            </a:lvl1pPr>
+          </a:lstStyle>
+          <a:p>
+            <a:fld id="{6D69D915-0C95-4E2B-A33E-1C81BBBB360F}" type="datetimeFigureOut">
+              <a:rPr lang="en-US" smtClean="0"/>
+              <a:t>10/22/2023</a:t>
+            </a:fld>
+            <a:endParaRPr lang="en-US"/>
+          </a:p>
+        </p:txBody>
+      </p:sp>
+      <p:sp>
+        <p:nvSpPr>
+          <p:cNvPr id="5" name="Footer Placeholder 4"/>
+          <p:cNvSpPr>
+            <a:spLocks noGrp="1"/>
+          </p:cNvSpPr>
+          <p:nvPr>
+            <p:ph type="ftr" sz="quarter" idx="3"/>
+          </p:nvPr>
+        </p:nvSpPr>
+        <p:spPr>
+          <a:xfrm>
+            <a:off x="6057900" y="9534526"/>
+            <a:ext cx="6172200" cy="547688"/>
+          </a:xfrm>
+          <a:prstGeom prst="rect">
+            <a:avLst/>
+          </a:prstGeom>
+        </p:spPr>
+        <p:txBody>
+          <a:bodyPr vert="horz" lIns="91440" tIns="45720" rIns="91440" bIns="45720" rtlCol="0" anchor="ctr"/>
+          <a:lstStyle>
+            <a:lvl1pPr algn="ctr">
+              <a:defRPr sz="1800">
+                <a:solidFill>
+                  <a:schemeClr val="tx1">
+                    <a:tint val="75000"/>
+                  </a:schemeClr>
+                </a:solidFill>
+              </a:defRPr>
+            </a:lvl1pPr>
+          </a:lstStyle>
+          <a:p>
+            <a:endParaRPr lang="en-US"/>
+          </a:p>
+        </p:txBody>
+      </p:sp>
+      <p:sp>
+        <p:nvSpPr>
+          <p:cNvPr id="6" name="Slide Number Placeholder 5"/>
+          <p:cNvSpPr>
+            <a:spLocks noGrp="1"/>
+          </p:cNvSpPr>
+          <p:nvPr>
+            <p:ph type="sldNum" sz="quarter" idx="4"/>
+          </p:nvPr>
+        </p:nvSpPr>
+        <p:spPr>
+          <a:xfrm>
+            <a:off x="12915900" y="9534526"/>
+            <a:ext cx="4114800" cy="547688"/>
+          </a:xfrm>
+          <a:prstGeom prst="rect">
+            <a:avLst/>
+          </a:prstGeom>
+        </p:spPr>
+        <p:txBody>
+          <a:bodyPr vert="horz" lIns="91440" tIns="45720" rIns="91440" bIns="45720" rtlCol="0" anchor="ctr"/>
+          <a:lstStyle>
+            <a:lvl1pPr algn="r">
+              <a:defRPr sz="1800">
+                <a:solidFill>
+                  <a:schemeClr val="tx1">
+                    <a:tint val="75000"/>
+                  </a:schemeClr>
+                </a:solidFill>
+              </a:defRPr>
+            </a:lvl1pPr>
+          </a:lstStyle>
+          <a:p>
+            <a:fld id="{5E2AC11C-9EA8-4635-A212-19ECE156EFE4}" type="slidenum">
+              <a:rPr lang="en-US" smtClean="0"/>
+              <a:t>‹#›</a:t>
+            </a:fld>
+            <a:endParaRPr lang="en-US"/>
+          </a:p>
+        </p:txBody>
+      </p:sp>
+    </p:spTree>
+    <p:extLst>
+      <p:ext uri="{BB962C8B-B14F-4D97-AF65-F5344CB8AC3E}">
+        <p14:creationId xmlns:p14="http://schemas.microsoft.com/office/powerpoint/2010/main" val="3327961123"/>
+      </p:ext>
+    </p:extLst>
+  </p:cSld>
+  <p:clrMap bg1="lt1" tx1="dk1" bg2="lt2" tx2="dk2" accent1="accent1" accent2="accent2" accent3="accent3" accent4="accent4" accent5="accent5" accent6="accent6" hlink="hlink" folHlink="folHlink"/>
+  <p:sldLayoutIdLst>
+    <p:sldLayoutId id="2147483661" r:id="rId1"/>
+    <p:sldLayoutId id="2147483662" r:id="rId2"/>
+    <p:sldLayoutId id="2147483663" r:id="rId3"/>
+    <p:sldLayoutId id="2147483664" r:id="rId4"/>
+    <p:sldLayoutId id="2147483665" r:id="rId5"/>
+    <p:sldLayoutId id="2147483666" r:id="rId6"/>
+    <p:sldLayoutId id="2147483667" r:id="rId7"/>
+    <p:sldLayoutId id="2147483668" r:id="rId8"/>
+    <p:sldLayoutId id="2147483669" r:id="rId9"/>
+    <p:sldLayoutId id="2147483670" r:id="rId10"/>
+    <p:sldLayoutId id="2147483671" r:id="rId11"/>
+  </p:sldLayoutIdLst>
+  <p:txStyles>
+    <p:titleStyle>
+      <a:lvl1pPr algn="l" defTabSz="1371600" rtl="0" eaLnBrk="1" latinLnBrk="0" hangingPunct="1">
+        <a:lnSpc>
+          <a:spcPct val="90000"/>
+        </a:lnSpc>
+        <a:spcBef>
+          <a:spcPct val="0"/>
+        </a:spcBef>
+        <a:buNone/>
+        <a:defRPr sz="6600" kern="1200">
+          <a:solidFill>
+            <a:schemeClr val="tx1"/>
+          </a:solidFill>
+          <a:latin typeface="+mj-lt"/>
+          <a:ea typeface="+mj-ea"/>
+          <a:cs typeface="+mj-cs"/>
+        </a:defRPr>
+      </a:lvl1pPr>
+    </p:titleStyle>
+    <p:bodyStyle>
+      <a:lvl1pPr marL="342900" indent="-342900" algn="l" defTabSz="1371600" rtl="0" eaLnBrk="1" latinLnBrk="0" hangingPunct="1">
+        <a:lnSpc>
+          <a:spcPct val="90000"/>
+        </a:lnSpc>
+        <a:spcBef>
+          <a:spcPts val="1500"/>
+        </a:spcBef>
+        <a:buFont typeface="Arial" panose="020B0604020202020204" pitchFamily="34" charset="0"/>
+        <a:buChar char="•"/>
+        <a:defRPr sz="4200" kern="1200">
+          <a:solidFill>
+            <a:schemeClr val="tx1"/>
+          </a:solidFill>
+          <a:latin typeface="+mn-lt"/>
+          <a:ea typeface="+mn-ea"/>
+          <a:cs typeface="+mn-cs"/>
+        </a:defRPr>
+      </a:lvl1pPr>
+      <a:lvl2pPr marL="1028700" indent="-342900" algn="l" defTabSz="1371600" rtl="0" eaLnBrk="1" latinLnBrk="0" hangingPunct="1">
+        <a:lnSpc>
+          <a:spcPct val="90000"/>
+        </a:lnSpc>
+        <a:spcBef>
+          <a:spcPts val="750"/>
+        </a:spcBef>
+        <a:buFont typeface="Arial" panose="020B0604020202020204" pitchFamily="34" charset="0"/>
+        <a:buChar char="•"/>
+        <a:defRPr sz="3600" kern="1200">
+          <a:solidFill>
+            <a:schemeClr val="tx1"/>
+          </a:solidFill>
+          <a:latin typeface="+mn-lt"/>
+          <a:ea typeface="+mn-ea"/>
+          <a:cs typeface="+mn-cs"/>
+        </a:defRPr>
+      </a:lvl2pPr>
+      <a:lvl3pPr marL="1714500" indent="-342900" algn="l" defTabSz="1371600" rtl="0" eaLnBrk="1" latinLnBrk="0" hangingPunct="1">
+        <a:lnSpc>
+          <a:spcPct val="90000"/>
+        </a:lnSpc>
+        <a:spcBef>
+          <a:spcPts val="750"/>
+        </a:spcBef>
+        <a:buFont typeface="Arial" panose="020B0604020202020204" pitchFamily="34" charset="0"/>
+        <a:buChar char="•"/>
+        <a:defRPr sz="3000" kern="1200">
+          <a:solidFill>
+            <a:schemeClr val="tx1"/>
+          </a:solidFill>
+          <a:latin typeface="+mn-lt"/>
+          <a:ea typeface="+mn-ea"/>
+          <a:cs typeface="+mn-cs"/>
+        </a:defRPr>
+      </a:lvl3pPr>
+      <a:lvl4pPr marL="2400300" indent="-342900" algn="l" defTabSz="1371600" rtl="0" eaLnBrk="1" latinLnBrk="0" hangingPunct="1">
+        <a:lnSpc>
+          <a:spcPct val="90000"/>
+        </a:lnSpc>
+        <a:spcBef>
+          <a:spcPts val="750"/>
+        </a:spcBef>
+        <a:buFont typeface="Arial" panose="020B0604020202020204" pitchFamily="34" charset="0"/>
+        <a:buChar char="•"/>
+        <a:defRPr sz="2700" kern="1200">
+          <a:solidFill>
+            <a:schemeClr val="tx1"/>
+          </a:solidFill>
+          <a:latin typeface="+mn-lt"/>
+          <a:ea typeface="+mn-ea"/>
+          <a:cs typeface="+mn-cs"/>
+        </a:defRPr>
+      </a:lvl4pPr>
+      <a:lvl5pPr marL="3086100" indent="-342900" algn="l" defTabSz="1371600" rtl="0" eaLnBrk="1" latinLnBrk="0" hangingPunct="1">
+        <a:lnSpc>
+          <a:spcPct val="90000"/>
+        </a:lnSpc>
+        <a:spcBef>
+          <a:spcPts val="750"/>
+        </a:spcBef>
+        <a:buFont typeface="Arial" panose="020B0604020202020204" pitchFamily="34" charset="0"/>
+        <a:buChar char="•"/>
+        <a:defRPr sz="2700" kern="1200">
+          <a:solidFill>
+            <a:schemeClr val="tx1"/>
+          </a:solidFill>
+          <a:latin typeface="+mn-lt"/>
+          <a:ea typeface="+mn-ea"/>
+          <a:cs typeface="+mn-cs"/>
+        </a:defRPr>
+      </a:lvl5pPr>
+      <a:lvl6pPr marL="3771900" indent="-342900" algn="l" defTabSz="1371600" rtl="0" eaLnBrk="1" latinLnBrk="0" hangingPunct="1">
+        <a:lnSpc>
+          <a:spcPct val="90000"/>
+        </a:lnSpc>
+        <a:spcBef>
+          <a:spcPts val="750"/>
+        </a:spcBef>
+        <a:buFont typeface="Arial" panose="020B0604020202020204" pitchFamily="34" charset="0"/>
+        <a:buChar char="•"/>
+        <a:defRPr sz="2700" kern="1200">
+          <a:solidFill>
+            <a:schemeClr val="tx1"/>
+          </a:solidFill>
+          <a:latin typeface="+mn-lt"/>
+          <a:ea typeface="+mn-ea"/>
+          <a:cs typeface="+mn-cs"/>
+        </a:defRPr>
+      </a:lvl6pPr>
+      <a:lvl7pPr marL="4457700" indent="-342900" algn="l" defTabSz="1371600" rtl="0" eaLnBrk="1" latinLnBrk="0" hangingPunct="1">
+        <a:lnSpc>
+          <a:spcPct val="90000"/>
+        </a:lnSpc>
+        <a:spcBef>
+          <a:spcPts val="750"/>
+        </a:spcBef>
+        <a:buFont typeface="Arial" panose="020B0604020202020204" pitchFamily="34" charset="0"/>
+        <a:buChar char="•"/>
+        <a:defRPr sz="2700" kern="1200">
+          <a:solidFill>
+            <a:schemeClr val="tx1"/>
+          </a:solidFill>
+          <a:latin typeface="+mn-lt"/>
+          <a:ea typeface="+mn-ea"/>
+          <a:cs typeface="+mn-cs"/>
+        </a:defRPr>
+      </a:lvl7pPr>
+      <a:lvl8pPr marL="5143500" indent="-342900" algn="l" defTabSz="1371600" rtl="0" eaLnBrk="1" latinLnBrk="0" hangingPunct="1">
+        <a:lnSpc>
+          <a:spcPct val="90000"/>
+        </a:lnSpc>
+        <a:spcBef>
+          <a:spcPts val="750"/>
+        </a:spcBef>
+        <a:buFont typeface="Arial" panose="020B0604020202020204" pitchFamily="34" charset="0"/>
+        <a:buChar char="•"/>
+        <a:defRPr sz="2700" kern="1200">
+          <a:solidFill>
+            <a:schemeClr val="tx1"/>
+          </a:solidFill>
+          <a:latin typeface="+mn-lt"/>
+          <a:ea typeface="+mn-ea"/>
+          <a:cs typeface="+mn-cs"/>
+        </a:defRPr>
+      </a:lvl8pPr>
+      <a:lvl9pPr marL="5829300" indent="-342900" algn="l" defTabSz="1371600" rtl="0" eaLnBrk="1" latinLnBrk="0" hangingPunct="1">
+        <a:lnSpc>
+          <a:spcPct val="90000"/>
+        </a:lnSpc>
+        <a:spcBef>
+          <a:spcPts val="750"/>
+        </a:spcBef>
+        <a:buFont typeface="Arial" panose="020B0604020202020204" pitchFamily="34" charset="0"/>
+        <a:buChar char="•"/>
+        <a:defRPr sz="2700" kern="1200">
+          <a:solidFill>
+            <a:schemeClr val="tx1"/>
+          </a:solidFill>
+          <a:latin typeface="+mn-lt"/>
+          <a:ea typeface="+mn-ea"/>
+          <a:cs typeface="+mn-cs"/>
+        </a:defRPr>
+      </a:lvl9pPr>
+    </p:bodyStyle>
+    <p:otherStyle>
+      <a:defPPr>
+        <a:defRPr lang="en-US"/>
+      </a:defPPr>
+      <a:lvl1pPr marL="0" algn="l" defTabSz="1371600" rtl="0" eaLnBrk="1" latinLnBrk="0" hangingPunct="1">
+        <a:defRPr sz="2700" kern="1200">
+          <a:solidFill>
+            <a:schemeClr val="tx1"/>
+          </a:solidFill>
+          <a:latin typeface="+mn-lt"/>
+          <a:ea typeface="+mn-ea"/>
+          <a:cs typeface="+mn-cs"/>
+        </a:defRPr>
+      </a:lvl1pPr>
+      <a:lvl2pPr marL="685800" algn="l" defTabSz="1371600" rtl="0" eaLnBrk="1" latinLnBrk="0" hangingPunct="1">
+        <a:defRPr sz="2700" kern="1200">
+          <a:solidFill>
+            <a:schemeClr val="tx1"/>
+          </a:solidFill>
+          <a:latin typeface="+mn-lt"/>
+          <a:ea typeface="+mn-ea"/>
+          <a:cs typeface="+mn-cs"/>
+        </a:defRPr>
+      </a:lvl2pPr>
+      <a:lvl3pPr marL="1371600" algn="l" defTabSz="1371600" rtl="0" eaLnBrk="1" latinLnBrk="0" hangingPunct="1">
+        <a:defRPr sz="2700" kern="1200">
+          <a:solidFill>
+            <a:schemeClr val="tx1"/>
+          </a:solidFill>
+          <a:latin typeface="+mn-lt"/>
+          <a:ea typeface="+mn-ea"/>
+          <a:cs typeface="+mn-cs"/>
+        </a:defRPr>
+      </a:lvl3pPr>
+      <a:lvl4pPr marL="2057400" algn="l" defTabSz="1371600" rtl="0" eaLnBrk="1" latinLnBrk="0" hangingPunct="1">
+        <a:defRPr sz="2700" kern="1200">
+          <a:solidFill>
+            <a:schemeClr val="tx1"/>
+          </a:solidFill>
+          <a:latin typeface="+mn-lt"/>
+          <a:ea typeface="+mn-ea"/>
+          <a:cs typeface="+mn-cs"/>
+        </a:defRPr>
+      </a:lvl4pPr>
+      <a:lvl5pPr marL="2743200" algn="l" defTabSz="1371600" rtl="0" eaLnBrk="1" latinLnBrk="0" hangingPunct="1">
+        <a:defRPr sz="2700" kern="1200">
+          <a:solidFill>
+            <a:schemeClr val="tx1"/>
+          </a:solidFill>
+          <a:latin typeface="+mn-lt"/>
+          <a:ea typeface="+mn-ea"/>
+          <a:cs typeface="+mn-cs"/>
+        </a:defRPr>
+      </a:lvl5pPr>
+      <a:lvl6pPr marL="3429000" algn="l" defTabSz="1371600" rtl="0" eaLnBrk="1" latinLnBrk="0" hangingPunct="1">
+        <a:defRPr sz="2700" kern="1200">
+          <a:solidFill>
+            <a:schemeClr val="tx1"/>
+          </a:solidFill>
+          <a:latin typeface="+mn-lt"/>
+          <a:ea typeface="+mn-ea"/>
+          <a:cs typeface="+mn-cs"/>
+        </a:defRPr>
+      </a:lvl6pPr>
+      <a:lvl7pPr marL="4114800" algn="l" defTabSz="1371600" rtl="0" eaLnBrk="1" latinLnBrk="0" hangingPunct="1">
+        <a:defRPr sz="2700" kern="1200">
+          <a:solidFill>
+            <a:schemeClr val="tx1"/>
+          </a:solidFill>
+          <a:latin typeface="+mn-lt"/>
+          <a:ea typeface="+mn-ea"/>
+          <a:cs typeface="+mn-cs"/>
+        </a:defRPr>
+      </a:lvl7pPr>
+      <a:lvl8pPr marL="4800600" algn="l" defTabSz="1371600" rtl="0" eaLnBrk="1" latinLnBrk="0" hangingPunct="1">
+        <a:defRPr sz="2700" kern="1200">
+          <a:solidFill>
+            <a:schemeClr val="tx1"/>
+          </a:solidFill>
+          <a:latin typeface="+mn-lt"/>
+          <a:ea typeface="+mn-ea"/>
+          <a:cs typeface="+mn-cs"/>
+        </a:defRPr>
+      </a:lvl8pPr>
+      <a:lvl9pPr marL="5486400" algn="l" defTabSz="1371600" rtl="0" eaLnBrk="1" latinLnBrk="0" hangingPunct="1">
+        <a:defRPr sz="2700" kern="1200">
+          <a:solidFill>
+            <a:schemeClr val="tx1"/>
+          </a:solidFill>
+          <a:latin typeface="+mn-lt"/>
+          <a:ea typeface="+mn-ea"/>
+          <a:cs typeface="+mn-cs"/>
+        </a:defRPr>
+      </a:lvl9pPr>
+    </p:otherStyle>
+  </p:txStyles>
+</p:sldMaster>
+</file>
+
 <file path=ppt/slides/slide1.xml><?xml version="1.0" encoding="utf-8"?>
 <p:sld xmlns:a="http://schemas.openxmlformats.org/drawingml/2006/main" xmlns:r="http://schemas.openxmlformats.org/officeDocument/2006/relationships" xmlns:p="http://schemas.openxmlformats.org/presentationml/2006/main">
   <p:cSld>
@@ -3071,12 +5961,64 @@
           <a:chExt cx="0" cy="0"/>
         </a:xfrm>
       </p:grpSpPr>
+      <p:sp>
+        <p:nvSpPr>
+          <p:cNvPr id="2" name="Title 1"/>
+          <p:cNvSpPr>
+            <a:spLocks noGrp="1"/>
+          </p:cNvSpPr>
+          <p:nvPr>
+            <p:ph type="ctrTitle"/>
+          </p:nvPr>
+        </p:nvSpPr>
+        <p:spPr/>
+        <p:txBody>
+          <a:bodyPr>
+            <a:noAutofit/>
+          </a:bodyPr>
+          <a:lstStyle/>
+          <a:p>
+            <a:r>
+              <a:rPr lang="en-US" sz="8000" b="1" dirty="0"/>
+              <a:t>REPORT ANALYSIS</a:t>
+            </a:r>
+          </a:p>
+        </p:txBody>
+      </p:sp>
+      <p:sp>
+        <p:nvSpPr>
+          <p:cNvPr id="3" name="Subtitle 2"/>
+          <p:cNvSpPr>
+            <a:spLocks noGrp="1"/>
+          </p:cNvSpPr>
+          <p:nvPr>
+            <p:ph type="subTitle" idx="1"/>
+          </p:nvPr>
+        </p:nvSpPr>
+        <p:spPr>
+          <a:xfrm>
+            <a:off x="5334000" y="5403059"/>
+            <a:ext cx="7620000" cy="1035842"/>
+          </a:xfrm>
+        </p:spPr>
+        <p:txBody>
+          <a:bodyPr/>
+          <a:lstStyle/>
+          <a:p>
+            <a:pPr algn="l"/>
+            <a:r>
+              <a:rPr lang="en-US" dirty="0"/>
+              <a:t>Date:</a:t>
+            </a:r>
+          </a:p>
+        </p:txBody>
+      </p:sp>
       <p:pic>
         <p:nvPicPr>
-          <p:cNvPr id="3" name="Picture 2">
+          <p:cNvPr id="5" name="Picture 4" descr="A logo of a company&#10;&#10;Description automatically generated with medium confidence">
             <a:extLst>
               <a:ext uri="{FF2B5EF4-FFF2-40B4-BE49-F238E27FC236}">
-                <a16:creationId xmlns:a16="http://schemas.microsoft.com/office/drawing/2014/main" id="{CC4D6459-086A-41DC-B546-DFBC6E7AA79F}"/>
+                <a16:creationId xmlns:a16="http://schemas.microsoft.com/office/drawing/2014/main" id="{461BF064-5C08-EF59-8526-B058F6C8FF8A}"/>
               </a:ext>
             </a:extLst>
           </p:cNvPr>
@@ -3086,99 +6028,41 @@
           <p:nvPr/>
         </p:nvPicPr>
         <p:blipFill>
-          <a:blip r:embed="rId2"/>
+          <a:blip r:embed="rId2">
+            <a:clrChange>
+              <a:clrFrom>
+                <a:srgbClr val="FFFFFF"/>
+              </a:clrFrom>
+              <a:clrTo>
+                <a:srgbClr val="FFFFFF">
+                  <a:alpha val="0"/>
+                </a:srgbClr>
+              </a:clrTo>
+            </a:clrChange>
+            <a:extLst>
+              <a:ext uri="{28A0092B-C50C-407E-A947-70E740481C1C}">
+                <a14:useLocalDpi xmlns:a14="http://schemas.microsoft.com/office/drawing/2010/main" val="0"/>
+              </a:ext>
+            </a:extLst>
+          </a:blip>
           <a:stretch>
             <a:fillRect/>
           </a:stretch>
         </p:blipFill>
         <p:spPr>
           <a:xfrm>
-            <a:off x="5333900" y="2982629"/>
-            <a:ext cx="7620199" cy="4321742"/>
+            <a:off x="128382" y="128373"/>
+            <a:ext cx="4315236" cy="2052879"/>
           </a:xfrm>
           <a:prstGeom prst="rect">
             <a:avLst/>
           </a:prstGeom>
         </p:spPr>
       </p:pic>
-      <p:pic>
-        <p:nvPicPr>
-          <p:cNvPr id="5" name="Picture 4">
-            <a:extLst>
-              <a:ext uri="{FF2B5EF4-FFF2-40B4-BE49-F238E27FC236}">
-                <a16:creationId xmlns:a16="http://schemas.microsoft.com/office/drawing/2014/main" id="{582A87E8-81BA-4CB9-9FB7-953AED4E5A57}"/>
-              </a:ext>
-            </a:extLst>
-          </p:cNvPr>
-          <p:cNvPicPr>
-            <a:picLocks noChangeAspect="1"/>
-          </p:cNvPicPr>
-          <p:nvPr/>
-        </p:nvPicPr>
-        <p:blipFill>
-          <a:blip r:embed="rId2"/>
-          <a:stretch>
-            <a:fillRect/>
-          </a:stretch>
-        </p:blipFill>
-        <p:spPr>
-          <a:xfrm>
-            <a:off x="-76200" y="-114300"/>
-            <a:ext cx="18364200" cy="10415127"/>
-          </a:xfrm>
-          <a:prstGeom prst="rect">
-            <a:avLst/>
-          </a:prstGeom>
-        </p:spPr>
-      </p:pic>
-      <p:sp>
-        <p:nvSpPr>
-          <p:cNvPr id="7" name="TextBox 12">
-            <a:extLst>
-              <a:ext uri="{FF2B5EF4-FFF2-40B4-BE49-F238E27FC236}">
-                <a16:creationId xmlns:a16="http://schemas.microsoft.com/office/drawing/2014/main" id="{9A690D8C-51F1-4E9A-B5F8-D96FCF656666}"/>
-              </a:ext>
-            </a:extLst>
-          </p:cNvPr>
-          <p:cNvSpPr txBox="1"/>
-          <p:nvPr/>
-        </p:nvSpPr>
-        <p:spPr>
-          <a:xfrm>
-            <a:off x="5471448" y="5905500"/>
-            <a:ext cx="7345101" cy="605790"/>
-          </a:xfrm>
-          <a:prstGeom prst="rect">
-            <a:avLst/>
-          </a:prstGeom>
-        </p:spPr>
-        <p:txBody>
-          <a:bodyPr lIns="0" tIns="0" rIns="0" bIns="0" rtlCol="0" anchor="t">
-            <a:spAutoFit/>
-          </a:bodyPr>
-          <a:lstStyle/>
-          <a:p>
-            <a:pPr>
-              <a:lnSpc>
-                <a:spcPts val="4830"/>
-              </a:lnSpc>
-            </a:pPr>
-            <a:r>
-              <a:rPr lang="en-US" sz="3500" spc="49" dirty="0">
-                <a:solidFill>
-                  <a:srgbClr val="040506"/>
-                </a:solidFill>
-                <a:latin typeface="Archivo Black"/>
-              </a:rPr>
-              <a:t>Date :</a:t>
-            </a:r>
-          </a:p>
-        </p:txBody>
-      </p:sp>
     </p:spTree>
     <p:extLst>
       <p:ext uri="{BB962C8B-B14F-4D97-AF65-F5344CB8AC3E}">
-        <p14:creationId xmlns:p14="http://schemas.microsoft.com/office/powerpoint/2010/main" val="4129147850"/>
+        <p14:creationId xmlns:p14="http://schemas.microsoft.com/office/powerpoint/2010/main" val="2973644266"/>
       </p:ext>
     </p:extLst>
   </p:cSld>
@@ -3250,6 +6134,13 @@
             </a:stretch>
           </a:blipFill>
         </p:spPr>
+        <p:txBody>
+          <a:bodyPr/>
+          <a:lstStyle/>
+          <a:p>
+            <a:endParaRPr lang="en-ID"/>
+          </a:p>
+        </p:txBody>
       </p:sp>
       <p:grpSp>
         <p:nvGrpSpPr>
@@ -3329,6 +6220,13 @@
               <a:noFill/>
             </a:ln>
           </p:spPr>
+          <p:txBody>
+            <a:bodyPr/>
+            <a:lstStyle/>
+            <a:p>
+              <a:endParaRPr lang="en-ID"/>
+            </a:p>
+          </p:txBody>
         </p:sp>
         <p:sp>
           <p:nvSpPr>
@@ -3408,10 +6306,10 @@
       </p:sp>
       <p:pic>
         <p:nvPicPr>
-          <p:cNvPr id="7" name="Picture 6">
+          <p:cNvPr id="6" name="Picture 5" descr="A logo of a company&#10;&#10;Description automatically generated with medium confidence">
             <a:extLst>
               <a:ext uri="{FF2B5EF4-FFF2-40B4-BE49-F238E27FC236}">
-                <a16:creationId xmlns:a16="http://schemas.microsoft.com/office/drawing/2014/main" id="{F07EBCE5-CB01-4EA0-B18F-BF63D29EFAB6}"/>
+                <a16:creationId xmlns:a16="http://schemas.microsoft.com/office/drawing/2014/main" id="{73A88AC3-6BAE-075A-FD20-2F85A7E9B885}"/>
               </a:ext>
             </a:extLst>
           </p:cNvPr>
@@ -3421,7 +6319,17 @@
           <p:nvPr/>
         </p:nvPicPr>
         <p:blipFill>
-          <a:blip r:embed="rId3" cstate="print">
+          <a:blip r:embed="rId3">
+            <a:clrChange>
+              <a:clrFrom>
+                <a:srgbClr val="FFFFFF"/>
+              </a:clrFrom>
+              <a:clrTo>
+                <a:srgbClr val="FFFFFF">
+                  <a:alpha val="0"/>
+                </a:srgbClr>
+              </a:clrTo>
+            </a:clrChange>
             <a:extLst>
               <a:ext uri="{28A0092B-C50C-407E-A947-70E740481C1C}">
                 <a14:useLocalDpi xmlns:a14="http://schemas.microsoft.com/office/drawing/2010/main" val="0"/>
@@ -3434,8 +6342,8 @@
         </p:blipFill>
         <p:spPr>
           <a:xfrm>
-            <a:off x="14630400" y="525636"/>
-            <a:ext cx="3014478" cy="661417"/>
+            <a:off x="13716000" y="-15183"/>
+            <a:ext cx="4315236" cy="2052879"/>
           </a:xfrm>
           <a:prstGeom prst="rect">
             <a:avLst/>
@@ -3512,6 +6420,13 @@
             </a:stretch>
           </a:blipFill>
         </p:spPr>
+        <p:txBody>
+          <a:bodyPr/>
+          <a:lstStyle/>
+          <a:p>
+            <a:endParaRPr lang="en-ID"/>
+          </a:p>
+        </p:txBody>
       </p:sp>
       <p:grpSp>
         <p:nvGrpSpPr>
@@ -3591,6 +6506,13 @@
               <a:noFill/>
             </a:ln>
           </p:spPr>
+          <p:txBody>
+            <a:bodyPr/>
+            <a:lstStyle/>
+            <a:p>
+              <a:endParaRPr lang="en-ID"/>
+            </a:p>
+          </p:txBody>
         </p:sp>
         <p:sp>
           <p:nvSpPr>
@@ -3670,10 +6592,10 @@
       </p:sp>
       <p:pic>
         <p:nvPicPr>
-          <p:cNvPr id="7" name="Picture 6">
+          <p:cNvPr id="6" name="Picture 5" descr="A logo of a company&#10;&#10;Description automatically generated with medium confidence">
             <a:extLst>
               <a:ext uri="{FF2B5EF4-FFF2-40B4-BE49-F238E27FC236}">
-                <a16:creationId xmlns:a16="http://schemas.microsoft.com/office/drawing/2014/main" id="{F07EBCE5-CB01-4EA0-B18F-BF63D29EFAB6}"/>
+                <a16:creationId xmlns:a16="http://schemas.microsoft.com/office/drawing/2014/main" id="{5BE1EA5E-9413-C3BE-B5E3-70888BD91401}"/>
               </a:ext>
             </a:extLst>
           </p:cNvPr>
@@ -3683,7 +6605,17 @@
           <p:nvPr/>
         </p:nvPicPr>
         <p:blipFill>
-          <a:blip r:embed="rId3" cstate="print">
+          <a:blip r:embed="rId3">
+            <a:clrChange>
+              <a:clrFrom>
+                <a:srgbClr val="FFFFFF"/>
+              </a:clrFrom>
+              <a:clrTo>
+                <a:srgbClr val="FFFFFF">
+                  <a:alpha val="0"/>
+                </a:srgbClr>
+              </a:clrTo>
+            </a:clrChange>
             <a:extLst>
               <a:ext uri="{28A0092B-C50C-407E-A947-70E740481C1C}">
                 <a14:useLocalDpi xmlns:a14="http://schemas.microsoft.com/office/drawing/2010/main" val="0"/>
@@ -3696,8 +6628,8 @@
         </p:blipFill>
         <p:spPr>
           <a:xfrm>
-            <a:off x="14630400" y="525636"/>
-            <a:ext cx="3014478" cy="661417"/>
+            <a:off x="13716000" y="-15183"/>
+            <a:ext cx="4315236" cy="2052879"/>
           </a:xfrm>
           <a:prstGeom prst="rect">
             <a:avLst/>
@@ -3779,6 +6711,13 @@
             </a:stretch>
           </a:blipFill>
         </p:spPr>
+        <p:txBody>
+          <a:bodyPr/>
+          <a:lstStyle/>
+          <a:p>
+            <a:endParaRPr lang="en-ID"/>
+          </a:p>
+        </p:txBody>
       </p:sp>
       <p:grpSp>
         <p:nvGrpSpPr>
@@ -3858,6 +6797,13 @@
               <a:noFill/>
             </a:ln>
           </p:spPr>
+          <p:txBody>
+            <a:bodyPr/>
+            <a:lstStyle/>
+            <a:p>
+              <a:endParaRPr lang="en-ID"/>
+            </a:p>
+          </p:txBody>
         </p:sp>
         <p:sp>
           <p:nvSpPr>
@@ -3937,10 +6883,10 @@
       </p:sp>
       <p:pic>
         <p:nvPicPr>
-          <p:cNvPr id="7" name="Picture 6">
+          <p:cNvPr id="6" name="Picture 5" descr="A logo of a company&#10;&#10;Description automatically generated with medium confidence">
             <a:extLst>
               <a:ext uri="{FF2B5EF4-FFF2-40B4-BE49-F238E27FC236}">
-                <a16:creationId xmlns:a16="http://schemas.microsoft.com/office/drawing/2014/main" id="{F07EBCE5-CB01-4EA0-B18F-BF63D29EFAB6}"/>
+                <a16:creationId xmlns:a16="http://schemas.microsoft.com/office/drawing/2014/main" id="{8DF4DF19-06A3-7DBE-D003-0245712E3C86}"/>
               </a:ext>
             </a:extLst>
           </p:cNvPr>
@@ -3950,7 +6896,17 @@
           <p:nvPr/>
         </p:nvPicPr>
         <p:blipFill>
-          <a:blip r:embed="rId3" cstate="print">
+          <a:blip r:embed="rId3">
+            <a:clrChange>
+              <a:clrFrom>
+                <a:srgbClr val="FFFFFF"/>
+              </a:clrFrom>
+              <a:clrTo>
+                <a:srgbClr val="FFFFFF">
+                  <a:alpha val="0"/>
+                </a:srgbClr>
+              </a:clrTo>
+            </a:clrChange>
             <a:extLst>
               <a:ext uri="{28A0092B-C50C-407E-A947-70E740481C1C}">
                 <a14:useLocalDpi xmlns:a14="http://schemas.microsoft.com/office/drawing/2010/main" val="0"/>
@@ -3963,8 +6919,8 @@
         </p:blipFill>
         <p:spPr>
           <a:xfrm>
-            <a:off x="14630400" y="525636"/>
-            <a:ext cx="3014478" cy="661417"/>
+            <a:off x="13716000" y="-15183"/>
+            <a:ext cx="4315236" cy="2052879"/>
           </a:xfrm>
           <a:prstGeom prst="rect">
             <a:avLst/>
@@ -4046,6 +7002,13 @@
             </a:stretch>
           </a:blipFill>
         </p:spPr>
+        <p:txBody>
+          <a:bodyPr/>
+          <a:lstStyle/>
+          <a:p>
+            <a:endParaRPr lang="en-ID"/>
+          </a:p>
+        </p:txBody>
       </p:sp>
       <p:grpSp>
         <p:nvGrpSpPr>
@@ -4125,6 +7088,13 @@
               <a:noFill/>
             </a:ln>
           </p:spPr>
+          <p:txBody>
+            <a:bodyPr/>
+            <a:lstStyle/>
+            <a:p>
+              <a:endParaRPr lang="en-ID"/>
+            </a:p>
+          </p:txBody>
         </p:sp>
         <p:sp>
           <p:nvSpPr>
@@ -4204,10 +7174,10 @@
       </p:sp>
       <p:pic>
         <p:nvPicPr>
-          <p:cNvPr id="7" name="Picture 6">
+          <p:cNvPr id="6" name="Picture 5" descr="A logo of a company&#10;&#10;Description automatically generated with medium confidence">
             <a:extLst>
               <a:ext uri="{FF2B5EF4-FFF2-40B4-BE49-F238E27FC236}">
-                <a16:creationId xmlns:a16="http://schemas.microsoft.com/office/drawing/2014/main" id="{F07EBCE5-CB01-4EA0-B18F-BF63D29EFAB6}"/>
+                <a16:creationId xmlns:a16="http://schemas.microsoft.com/office/drawing/2014/main" id="{3A1E2A56-BAE4-7053-2AF9-91DAD66927E4}"/>
               </a:ext>
             </a:extLst>
           </p:cNvPr>
@@ -4217,7 +7187,17 @@
           <p:nvPr/>
         </p:nvPicPr>
         <p:blipFill>
-          <a:blip r:embed="rId3" cstate="print">
+          <a:blip r:embed="rId3">
+            <a:clrChange>
+              <a:clrFrom>
+                <a:srgbClr val="FFFFFF"/>
+              </a:clrFrom>
+              <a:clrTo>
+                <a:srgbClr val="FFFFFF">
+                  <a:alpha val="0"/>
+                </a:srgbClr>
+              </a:clrTo>
+            </a:clrChange>
             <a:extLst>
               <a:ext uri="{28A0092B-C50C-407E-A947-70E740481C1C}">
                 <a14:useLocalDpi xmlns:a14="http://schemas.microsoft.com/office/drawing/2010/main" val="0"/>
@@ -4230,8 +7210,8 @@
         </p:blipFill>
         <p:spPr>
           <a:xfrm>
-            <a:off x="14630400" y="525636"/>
-            <a:ext cx="3014478" cy="661417"/>
+            <a:off x="13716000" y="-15183"/>
+            <a:ext cx="4315236" cy="2052879"/>
           </a:xfrm>
           <a:prstGeom prst="rect">
             <a:avLst/>
@@ -4532,4 +7512,265 @@
   <a:objectDefaults/>
   <a:extraClrSchemeLst/>
 </a:theme>
+</file>
+
+<file path=ppt/theme/theme2.xml><?xml version="1.0" encoding="utf-8"?>
+<a:theme xmlns:a="http://schemas.openxmlformats.org/drawingml/2006/main" name="1_Office Theme">
+  <a:themeElements>
+    <a:clrScheme name="Office">
+      <a:dk1>
+        <a:sysClr val="windowText" lastClr="000000"/>
+      </a:dk1>
+      <a:lt1>
+        <a:sysClr val="window" lastClr="FFFFFF"/>
+      </a:lt1>
+      <a:dk2>
+        <a:srgbClr val="44546A"/>
+      </a:dk2>
+      <a:lt2>
+        <a:srgbClr val="E7E6E6"/>
+      </a:lt2>
+      <a:accent1>
+        <a:srgbClr val="5B9BD5"/>
+      </a:accent1>
+      <a:accent2>
+        <a:srgbClr val="ED7D31"/>
+      </a:accent2>
+      <a:accent3>
+        <a:srgbClr val="A5A5A5"/>
+      </a:accent3>
+      <a:accent4>
+        <a:srgbClr val="FFC000"/>
+      </a:accent4>
+      <a:accent5>
+        <a:srgbClr val="4472C4"/>
+      </a:accent5>
+      <a:accent6>
+        <a:srgbClr val="70AD47"/>
+      </a:accent6>
+      <a:hlink>
+        <a:srgbClr val="0563C1"/>
+      </a:hlink>
+      <a:folHlink>
+        <a:srgbClr val="954F72"/>
+      </a:folHlink>
+    </a:clrScheme>
+    <a:fontScheme name="Office">
+      <a:majorFont>
+        <a:latin typeface="Calibri Light" panose="020F0302020204030204"/>
+        <a:ea typeface=""/>
+        <a:cs typeface=""/>
+        <a:font script="Jpan" typeface="游ゴシック Light"/>
+        <a:font script="Hang" typeface="맑은 고딕"/>
+        <a:font script="Hans" typeface="等线 Light"/>
+        <a:font script="Hant" typeface="新細明體"/>
+        <a:font script="Arab" typeface="Times New Roman"/>
+        <a:font script="Hebr" typeface="Times New Roman"/>
+        <a:font script="Thai" typeface="Angsana New"/>
+        <a:font script="Ethi" typeface="Nyala"/>
+        <a:font script="Beng" typeface="Vrinda"/>
+        <a:font script="Gujr" typeface="Shruti"/>
+        <a:font script="Khmr" typeface="MoolBoran"/>
+        <a:font script="Knda" typeface="Tunga"/>
+        <a:font script="Guru" typeface="Raavi"/>
+        <a:font script="Cans" typeface="Euphemia"/>
+        <a:font script="Cher" typeface="Plantagenet Cherokee"/>
+        <a:font script="Yiii" typeface="Microsoft Yi Baiti"/>
+        <a:font script="Tibt" typeface="Microsoft Himalaya"/>
+        <a:font script="Thaa" typeface="MV Boli"/>
+        <a:font script="Deva" typeface="Mangal"/>
+        <a:font script="Telu" typeface="Gautami"/>
+        <a:font script="Taml" typeface="Latha"/>
+        <a:font script="Syrc" typeface="Estrangelo Edessa"/>
+        <a:font script="Orya" typeface="Kalinga"/>
+        <a:font script="Mlym" typeface="Kartika"/>
+        <a:font script="Laoo" typeface="DokChampa"/>
+        <a:font script="Sinh" typeface="Iskoola Pota"/>
+        <a:font script="Mong" typeface="Mongolian Baiti"/>
+        <a:font script="Viet" typeface="Times New Roman"/>
+        <a:font script="Uigh" typeface="Microsoft Uighur"/>
+        <a:font script="Geor" typeface="Sylfaen"/>
+      </a:majorFont>
+      <a:minorFont>
+        <a:latin typeface="Calibri" panose="020F0502020204030204"/>
+        <a:ea typeface=""/>
+        <a:cs typeface=""/>
+        <a:font script="Jpan" typeface="游ゴシック"/>
+        <a:font script="Hang" typeface="맑은 고딕"/>
+        <a:font script="Hans" typeface="等线"/>
+        <a:font script="Hant" typeface="新細明體"/>
+        <a:font script="Arab" typeface="Arial"/>
+        <a:font script="Hebr" typeface="Arial"/>
+        <a:font script="Thai" typeface="Cordia New"/>
+        <a:font script="Ethi" typeface="Nyala"/>
+        <a:font script="Beng" typeface="Vrinda"/>
+        <a:font script="Gujr" typeface="Shruti"/>
+        <a:font script="Khmr" typeface="DaunPenh"/>
+        <a:font script="Knda" typeface="Tunga"/>
+        <a:font script="Guru" typeface="Raavi"/>
+        <a:font script="Cans" typeface="Euphemia"/>
+        <a:font script="Cher" typeface="Plantagenet Cherokee"/>
+        <a:font script="Yiii" typeface="Microsoft Yi Baiti"/>
+        <a:font script="Tibt" typeface="Microsoft Himalaya"/>
+        <a:font script="Thaa" typeface="MV Boli"/>
+        <a:font script="Deva" typeface="Mangal"/>
+        <a:font script="Telu" typeface="Gautami"/>
+        <a:font script="Taml" typeface="Latha"/>
+        <a:font script="Syrc" typeface="Estrangelo Edessa"/>
+        <a:font script="Orya" typeface="Kalinga"/>
+        <a:font script="Mlym" typeface="Kartika"/>
+        <a:font script="Laoo" typeface="DokChampa"/>
+        <a:font script="Sinh" typeface="Iskoola Pota"/>
+        <a:font script="Mong" typeface="Mongolian Baiti"/>
+        <a:font script="Viet" typeface="Arial"/>
+        <a:font script="Uigh" typeface="Microsoft Uighur"/>
+        <a:font script="Geor" typeface="Sylfaen"/>
+      </a:minorFont>
+    </a:fontScheme>
+    <a:fmtScheme name="Office">
+      <a:fillStyleLst>
+        <a:solidFill>
+          <a:schemeClr val="phClr"/>
+        </a:solidFill>
+        <a:gradFill rotWithShape="1">
+          <a:gsLst>
+            <a:gs pos="0">
+              <a:schemeClr val="phClr">
+                <a:lumMod val="110000"/>
+                <a:satMod val="105000"/>
+                <a:tint val="67000"/>
+              </a:schemeClr>
+            </a:gs>
+            <a:gs pos="50000">
+              <a:schemeClr val="phClr">
+                <a:lumMod val="105000"/>
+                <a:satMod val="103000"/>
+                <a:tint val="73000"/>
+              </a:schemeClr>
+            </a:gs>
+            <a:gs pos="100000">
+              <a:schemeClr val="phClr">
+                <a:lumMod val="105000"/>
+                <a:satMod val="109000"/>
+                <a:tint val="81000"/>
+              </a:schemeClr>
+            </a:gs>
+          </a:gsLst>
+          <a:lin ang="5400000" scaled="0"/>
+        </a:gradFill>
+        <a:gradFill rotWithShape="1">
+          <a:gsLst>
+            <a:gs pos="0">
+              <a:schemeClr val="phClr">
+                <a:satMod val="103000"/>
+                <a:lumMod val="102000"/>
+                <a:tint val="94000"/>
+              </a:schemeClr>
+            </a:gs>
+            <a:gs pos="50000">
+              <a:schemeClr val="phClr">
+                <a:satMod val="110000"/>
+                <a:lumMod val="100000"/>
+                <a:shade val="100000"/>
+              </a:schemeClr>
+            </a:gs>
+            <a:gs pos="100000">
+              <a:schemeClr val="phClr">
+                <a:lumMod val="99000"/>
+                <a:satMod val="120000"/>
+                <a:shade val="78000"/>
+              </a:schemeClr>
+            </a:gs>
+          </a:gsLst>
+          <a:lin ang="5400000" scaled="0"/>
+        </a:gradFill>
+      </a:fillStyleLst>
+      <a:lnStyleLst>
+        <a:ln w="6350" cap="flat" cmpd="sng" algn="ctr">
+          <a:solidFill>
+            <a:schemeClr val="phClr"/>
+          </a:solidFill>
+          <a:prstDash val="solid"/>
+          <a:miter lim="800000"/>
+        </a:ln>
+        <a:ln w="12700" cap="flat" cmpd="sng" algn="ctr">
+          <a:solidFill>
+            <a:schemeClr val="phClr"/>
+          </a:solidFill>
+          <a:prstDash val="solid"/>
+          <a:miter lim="800000"/>
+        </a:ln>
+        <a:ln w="19050" cap="flat" cmpd="sng" algn="ctr">
+          <a:solidFill>
+            <a:schemeClr val="phClr"/>
+          </a:solidFill>
+          <a:prstDash val="solid"/>
+          <a:miter lim="800000"/>
+        </a:ln>
+      </a:lnStyleLst>
+      <a:effectStyleLst>
+        <a:effectStyle>
+          <a:effectLst/>
+        </a:effectStyle>
+        <a:effectStyle>
+          <a:effectLst/>
+        </a:effectStyle>
+        <a:effectStyle>
+          <a:effectLst>
+            <a:outerShdw blurRad="57150" dist="19050" dir="5400000" algn="ctr" rotWithShape="0">
+              <a:srgbClr val="000000">
+                <a:alpha val="63000"/>
+              </a:srgbClr>
+            </a:outerShdw>
+          </a:effectLst>
+        </a:effectStyle>
+      </a:effectStyleLst>
+      <a:bgFillStyleLst>
+        <a:solidFill>
+          <a:schemeClr val="phClr"/>
+        </a:solidFill>
+        <a:solidFill>
+          <a:schemeClr val="phClr">
+            <a:tint val="95000"/>
+            <a:satMod val="170000"/>
+          </a:schemeClr>
+        </a:solidFill>
+        <a:gradFill rotWithShape="1">
+          <a:gsLst>
+            <a:gs pos="0">
+              <a:schemeClr val="phClr">
+                <a:tint val="93000"/>
+                <a:satMod val="150000"/>
+                <a:shade val="98000"/>
+                <a:lumMod val="102000"/>
+              </a:schemeClr>
+            </a:gs>
+            <a:gs pos="50000">
+              <a:schemeClr val="phClr">
+                <a:tint val="98000"/>
+                <a:satMod val="130000"/>
+                <a:shade val="90000"/>
+                <a:lumMod val="103000"/>
+              </a:schemeClr>
+            </a:gs>
+            <a:gs pos="100000">
+              <a:schemeClr val="phClr">
+                <a:shade val="63000"/>
+                <a:satMod val="120000"/>
+              </a:schemeClr>
+            </a:gs>
+          </a:gsLst>
+          <a:lin ang="5400000" scaled="0"/>
+        </a:gradFill>
+      </a:bgFillStyleLst>
+    </a:fmtScheme>
+  </a:themeElements>
+  <a:objectDefaults/>
+  <a:extraClrSchemeLst/>
+  <a:extLst>
+    <a:ext uri="{05A4C25C-085E-4340-85A3-A5531E510DB2}">
+      <thm15:themeFamily xmlns:thm15="http://schemas.microsoft.com/office/thememl/2012/main" name="Office Theme" id="{62F939B6-93AF-4DB8-9C6B-D6C7DFDC589F}" vid="{4A3C46E8-61CC-4603-A589-7422A47A8E4A}"/>
+    </a:ext>
+  </a:extLst>
+</a:theme>
 </file>